--- a/基于Node的微小爬虫.pptx
+++ b/基于Node的微小爬虫.pptx
@@ -13,8 +13,8 @@
     <p:sldId id="261" r:id="rId7"/>
     <p:sldId id="262" r:id="rId8"/>
     <p:sldId id="264" r:id="rId9"/>
-    <p:sldId id="265" r:id="rId10"/>
-    <p:sldId id="266" r:id="rId11"/>
+    <p:sldId id="266" r:id="rId10"/>
+    <p:sldId id="267" r:id="rId11"/>
     <p:sldId id="263" r:id="rId12"/>
   </p:sldIdLst>
   <p:sldSz cx="9144000" cy="6858000" type="screen4x3"/>
@@ -117,6 +117,2471 @@
 </p:presentation>
 </file>
 
+<file path=ppt/diagrams/colors1.xml><?xml version="1.0" encoding="utf-8"?>
+<dgm:colorsDef xmlns:dgm="http://schemas.openxmlformats.org/drawingml/2006/diagram" xmlns:a="http://schemas.openxmlformats.org/drawingml/2006/main" uniqueId="urn:microsoft.com/office/officeart/2005/8/colors/accent1_2">
+  <dgm:title val=""/>
+  <dgm:desc val=""/>
+  <dgm:catLst>
+    <dgm:cat type="accent1" pri="11200"/>
+  </dgm:catLst>
+  <dgm:styleLbl name="node0">
+    <dgm:fillClrLst meth="repeat">
+      <a:schemeClr val="accent1"/>
+    </dgm:fillClrLst>
+    <dgm:linClrLst meth="repeat">
+      <a:schemeClr val="lt1"/>
+    </dgm:linClrLst>
+    <dgm:effectClrLst/>
+    <dgm:txLinClrLst/>
+    <dgm:txFillClrLst/>
+    <dgm:txEffectClrLst/>
+  </dgm:styleLbl>
+  <dgm:styleLbl name="alignNode1">
+    <dgm:fillClrLst meth="repeat">
+      <a:schemeClr val="accent1"/>
+    </dgm:fillClrLst>
+    <dgm:linClrLst meth="repeat">
+      <a:schemeClr val="accent1"/>
+    </dgm:linClrLst>
+    <dgm:effectClrLst/>
+    <dgm:txLinClrLst/>
+    <dgm:txFillClrLst/>
+    <dgm:txEffectClrLst/>
+  </dgm:styleLbl>
+  <dgm:styleLbl name="node1">
+    <dgm:fillClrLst meth="repeat">
+      <a:schemeClr val="accent1"/>
+    </dgm:fillClrLst>
+    <dgm:linClrLst meth="repeat">
+      <a:schemeClr val="lt1"/>
+    </dgm:linClrLst>
+    <dgm:effectClrLst/>
+    <dgm:txLinClrLst/>
+    <dgm:txFillClrLst/>
+    <dgm:txEffectClrLst/>
+  </dgm:styleLbl>
+  <dgm:styleLbl name="lnNode1">
+    <dgm:fillClrLst meth="repeat">
+      <a:schemeClr val="accent1"/>
+    </dgm:fillClrLst>
+    <dgm:linClrLst meth="repeat">
+      <a:schemeClr val="lt1"/>
+    </dgm:linClrLst>
+    <dgm:effectClrLst/>
+    <dgm:txLinClrLst/>
+    <dgm:txFillClrLst/>
+    <dgm:txEffectClrLst/>
+  </dgm:styleLbl>
+  <dgm:styleLbl name="vennNode1">
+    <dgm:fillClrLst meth="repeat">
+      <a:schemeClr val="accent1">
+        <a:alpha val="50000"/>
+      </a:schemeClr>
+    </dgm:fillClrLst>
+    <dgm:linClrLst meth="repeat">
+      <a:schemeClr val="lt1"/>
+    </dgm:linClrLst>
+    <dgm:effectClrLst/>
+    <dgm:txLinClrLst/>
+    <dgm:txFillClrLst/>
+    <dgm:txEffectClrLst/>
+  </dgm:styleLbl>
+  <dgm:styleLbl name="node2">
+    <dgm:fillClrLst meth="repeat">
+      <a:schemeClr val="accent1"/>
+    </dgm:fillClrLst>
+    <dgm:linClrLst meth="repeat">
+      <a:schemeClr val="lt1"/>
+    </dgm:linClrLst>
+    <dgm:effectClrLst/>
+    <dgm:txLinClrLst/>
+    <dgm:txFillClrLst/>
+    <dgm:txEffectClrLst/>
+  </dgm:styleLbl>
+  <dgm:styleLbl name="node3">
+    <dgm:fillClrLst meth="repeat">
+      <a:schemeClr val="accent1"/>
+    </dgm:fillClrLst>
+    <dgm:linClrLst meth="repeat">
+      <a:schemeClr val="lt1"/>
+    </dgm:linClrLst>
+    <dgm:effectClrLst/>
+    <dgm:txLinClrLst/>
+    <dgm:txFillClrLst/>
+    <dgm:txEffectClrLst/>
+  </dgm:styleLbl>
+  <dgm:styleLbl name="node4">
+    <dgm:fillClrLst meth="repeat">
+      <a:schemeClr val="accent1"/>
+    </dgm:fillClrLst>
+    <dgm:linClrLst meth="repeat">
+      <a:schemeClr val="lt1"/>
+    </dgm:linClrLst>
+    <dgm:effectClrLst/>
+    <dgm:txLinClrLst/>
+    <dgm:txFillClrLst/>
+    <dgm:txEffectClrLst/>
+  </dgm:styleLbl>
+  <dgm:styleLbl name="fgImgPlace1">
+    <dgm:fillClrLst meth="repeat">
+      <a:schemeClr val="accent1">
+        <a:tint val="50000"/>
+      </a:schemeClr>
+    </dgm:fillClrLst>
+    <dgm:linClrLst meth="repeat">
+      <a:schemeClr val="lt1"/>
+    </dgm:linClrLst>
+    <dgm:effectClrLst/>
+    <dgm:txLinClrLst/>
+    <dgm:txFillClrLst meth="repeat">
+      <a:schemeClr val="lt1"/>
+    </dgm:txFillClrLst>
+    <dgm:txEffectClrLst/>
+  </dgm:styleLbl>
+  <dgm:styleLbl name="alignImgPlace1">
+    <dgm:fillClrLst meth="repeat">
+      <a:schemeClr val="accent1">
+        <a:tint val="50000"/>
+      </a:schemeClr>
+    </dgm:fillClrLst>
+    <dgm:linClrLst meth="repeat">
+      <a:schemeClr val="lt1"/>
+    </dgm:linClrLst>
+    <dgm:effectClrLst/>
+    <dgm:txLinClrLst/>
+    <dgm:txFillClrLst meth="repeat">
+      <a:schemeClr val="lt1"/>
+    </dgm:txFillClrLst>
+    <dgm:txEffectClrLst/>
+  </dgm:styleLbl>
+  <dgm:styleLbl name="bgImgPlace1">
+    <dgm:fillClrLst meth="repeat">
+      <a:schemeClr val="accent1">
+        <a:tint val="50000"/>
+      </a:schemeClr>
+    </dgm:fillClrLst>
+    <dgm:linClrLst meth="repeat">
+      <a:schemeClr val="lt1"/>
+    </dgm:linClrLst>
+    <dgm:effectClrLst/>
+    <dgm:txLinClrLst/>
+    <dgm:txFillClrLst meth="repeat">
+      <a:schemeClr val="lt1"/>
+    </dgm:txFillClrLst>
+    <dgm:txEffectClrLst/>
+  </dgm:styleLbl>
+  <dgm:styleLbl name="sibTrans2D1">
+    <dgm:fillClrLst meth="repeat">
+      <a:schemeClr val="accent1">
+        <a:tint val="60000"/>
+      </a:schemeClr>
+    </dgm:fillClrLst>
+    <dgm:linClrLst meth="repeat">
+      <a:schemeClr val="accent1">
+        <a:tint val="60000"/>
+      </a:schemeClr>
+    </dgm:linClrLst>
+    <dgm:effectClrLst/>
+    <dgm:txLinClrLst/>
+    <dgm:txFillClrLst/>
+    <dgm:txEffectClrLst/>
+  </dgm:styleLbl>
+  <dgm:styleLbl name="fgSibTrans2D1">
+    <dgm:fillClrLst meth="repeat">
+      <a:schemeClr val="accent1">
+        <a:tint val="60000"/>
+      </a:schemeClr>
+    </dgm:fillClrLst>
+    <dgm:linClrLst meth="repeat">
+      <a:schemeClr val="accent1">
+        <a:tint val="60000"/>
+      </a:schemeClr>
+    </dgm:linClrLst>
+    <dgm:effectClrLst/>
+    <dgm:txLinClrLst/>
+    <dgm:txFillClrLst/>
+    <dgm:txEffectClrLst/>
+  </dgm:styleLbl>
+  <dgm:styleLbl name="bgSibTrans2D1">
+    <dgm:fillClrLst meth="repeat">
+      <a:schemeClr val="accent1">
+        <a:tint val="60000"/>
+      </a:schemeClr>
+    </dgm:fillClrLst>
+    <dgm:linClrLst meth="repeat">
+      <a:schemeClr val="accent1">
+        <a:tint val="60000"/>
+      </a:schemeClr>
+    </dgm:linClrLst>
+    <dgm:effectClrLst/>
+    <dgm:txLinClrLst/>
+    <dgm:txFillClrLst/>
+    <dgm:txEffectClrLst/>
+  </dgm:styleLbl>
+  <dgm:styleLbl name="sibTrans1D1">
+    <dgm:fillClrLst meth="repeat">
+      <a:schemeClr val="accent1"/>
+    </dgm:fillClrLst>
+    <dgm:linClrLst meth="repeat">
+      <a:schemeClr val="accent1"/>
+    </dgm:linClrLst>
+    <dgm:effectClrLst/>
+    <dgm:txLinClrLst/>
+    <dgm:txFillClrLst meth="repeat">
+      <a:schemeClr val="tx1"/>
+    </dgm:txFillClrLst>
+    <dgm:txEffectClrLst/>
+  </dgm:styleLbl>
+  <dgm:styleLbl name="callout">
+    <dgm:fillClrLst meth="repeat">
+      <a:schemeClr val="accent1"/>
+    </dgm:fillClrLst>
+    <dgm:linClrLst meth="repeat">
+      <a:schemeClr val="accent1">
+        <a:tint val="50000"/>
+      </a:schemeClr>
+    </dgm:linClrLst>
+    <dgm:effectClrLst/>
+    <dgm:txLinClrLst/>
+    <dgm:txFillClrLst meth="repeat">
+      <a:schemeClr val="tx1"/>
+    </dgm:txFillClrLst>
+    <dgm:txEffectClrLst/>
+  </dgm:styleLbl>
+  <dgm:styleLbl name="asst0">
+    <dgm:fillClrLst meth="repeat">
+      <a:schemeClr val="accent1"/>
+    </dgm:fillClrLst>
+    <dgm:linClrLst meth="repeat">
+      <a:schemeClr val="lt1"/>
+    </dgm:linClrLst>
+    <dgm:effectClrLst/>
+    <dgm:txLinClrLst/>
+    <dgm:txFillClrLst/>
+    <dgm:txEffectClrLst/>
+  </dgm:styleLbl>
+  <dgm:styleLbl name="asst1">
+    <dgm:fillClrLst meth="repeat">
+      <a:schemeClr val="accent1"/>
+    </dgm:fillClrLst>
+    <dgm:linClrLst meth="repeat">
+      <a:schemeClr val="lt1"/>
+    </dgm:linClrLst>
+    <dgm:effectClrLst/>
+    <dgm:txLinClrLst/>
+    <dgm:txFillClrLst/>
+    <dgm:txEffectClrLst/>
+  </dgm:styleLbl>
+  <dgm:styleLbl name="asst2">
+    <dgm:fillClrLst meth="repeat">
+      <a:schemeClr val="accent1"/>
+    </dgm:fillClrLst>
+    <dgm:linClrLst meth="repeat">
+      <a:schemeClr val="lt1"/>
+    </dgm:linClrLst>
+    <dgm:effectClrLst/>
+    <dgm:txLinClrLst/>
+    <dgm:txFillClrLst/>
+    <dgm:txEffectClrLst/>
+  </dgm:styleLbl>
+  <dgm:styleLbl name="asst3">
+    <dgm:fillClrLst meth="repeat">
+      <a:schemeClr val="accent1"/>
+    </dgm:fillClrLst>
+    <dgm:linClrLst meth="repeat">
+      <a:schemeClr val="lt1"/>
+    </dgm:linClrLst>
+    <dgm:effectClrLst/>
+    <dgm:txLinClrLst/>
+    <dgm:txFillClrLst/>
+    <dgm:txEffectClrLst/>
+  </dgm:styleLbl>
+  <dgm:styleLbl name="asst4">
+    <dgm:fillClrLst meth="repeat">
+      <a:schemeClr val="accent1"/>
+    </dgm:fillClrLst>
+    <dgm:linClrLst meth="repeat">
+      <a:schemeClr val="lt1"/>
+    </dgm:linClrLst>
+    <dgm:effectClrLst/>
+    <dgm:txLinClrLst/>
+    <dgm:txFillClrLst/>
+    <dgm:txEffectClrLst/>
+  </dgm:styleLbl>
+  <dgm:styleLbl name="parChTrans2D1">
+    <dgm:fillClrLst meth="repeat">
+      <a:schemeClr val="accent1">
+        <a:tint val="60000"/>
+      </a:schemeClr>
+    </dgm:fillClrLst>
+    <dgm:linClrLst meth="repeat">
+      <a:schemeClr val="accent1">
+        <a:tint val="60000"/>
+      </a:schemeClr>
+    </dgm:linClrLst>
+    <dgm:effectClrLst/>
+    <dgm:txLinClrLst/>
+    <dgm:txFillClrLst meth="repeat">
+      <a:schemeClr val="lt1"/>
+    </dgm:txFillClrLst>
+    <dgm:txEffectClrLst/>
+  </dgm:styleLbl>
+  <dgm:styleLbl name="parChTrans2D2">
+    <dgm:fillClrLst meth="repeat">
+      <a:schemeClr val="accent1"/>
+    </dgm:fillClrLst>
+    <dgm:linClrLst meth="repeat">
+      <a:schemeClr val="accent1"/>
+    </dgm:linClrLst>
+    <dgm:effectClrLst/>
+    <dgm:txLinClrLst/>
+    <dgm:txFillClrLst meth="repeat">
+      <a:schemeClr val="lt1"/>
+    </dgm:txFillClrLst>
+    <dgm:txEffectClrLst/>
+  </dgm:styleLbl>
+  <dgm:styleLbl name="parChTrans2D3">
+    <dgm:fillClrLst meth="repeat">
+      <a:schemeClr val="accent1"/>
+    </dgm:fillClrLst>
+    <dgm:linClrLst meth="repeat">
+      <a:schemeClr val="accent1"/>
+    </dgm:linClrLst>
+    <dgm:effectClrLst/>
+    <dgm:txLinClrLst/>
+    <dgm:txFillClrLst meth="repeat">
+      <a:schemeClr val="lt1"/>
+    </dgm:txFillClrLst>
+    <dgm:txEffectClrLst/>
+  </dgm:styleLbl>
+  <dgm:styleLbl name="parChTrans2D4">
+    <dgm:fillClrLst meth="repeat">
+      <a:schemeClr val="accent1"/>
+    </dgm:fillClrLst>
+    <dgm:linClrLst meth="repeat">
+      <a:schemeClr val="accent1"/>
+    </dgm:linClrLst>
+    <dgm:effectClrLst/>
+    <dgm:txLinClrLst/>
+    <dgm:txFillClrLst meth="repeat">
+      <a:schemeClr val="lt1"/>
+    </dgm:txFillClrLst>
+    <dgm:txEffectClrLst/>
+  </dgm:styleLbl>
+  <dgm:styleLbl name="parChTrans1D1">
+    <dgm:fillClrLst meth="repeat">
+      <a:schemeClr val="accent1"/>
+    </dgm:fillClrLst>
+    <dgm:linClrLst meth="repeat">
+      <a:schemeClr val="accent1">
+        <a:shade val="60000"/>
+      </a:schemeClr>
+    </dgm:linClrLst>
+    <dgm:effectClrLst/>
+    <dgm:txLinClrLst/>
+    <dgm:txFillClrLst meth="repeat">
+      <a:schemeClr val="tx1"/>
+    </dgm:txFillClrLst>
+    <dgm:txEffectClrLst/>
+  </dgm:styleLbl>
+  <dgm:styleLbl name="parChTrans1D2">
+    <dgm:fillClrLst meth="repeat">
+      <a:schemeClr val="accent1"/>
+    </dgm:fillClrLst>
+    <dgm:linClrLst meth="repeat">
+      <a:schemeClr val="accent1">
+        <a:shade val="60000"/>
+      </a:schemeClr>
+    </dgm:linClrLst>
+    <dgm:effectClrLst/>
+    <dgm:txLinClrLst/>
+    <dgm:txFillClrLst meth="repeat">
+      <a:schemeClr val="tx1"/>
+    </dgm:txFillClrLst>
+    <dgm:txEffectClrLst/>
+  </dgm:styleLbl>
+  <dgm:styleLbl name="parChTrans1D3">
+    <dgm:fillClrLst meth="repeat">
+      <a:schemeClr val="accent1"/>
+    </dgm:fillClrLst>
+    <dgm:linClrLst meth="repeat">
+      <a:schemeClr val="accent1">
+        <a:shade val="80000"/>
+      </a:schemeClr>
+    </dgm:linClrLst>
+    <dgm:effectClrLst/>
+    <dgm:txLinClrLst/>
+    <dgm:txFillClrLst meth="repeat">
+      <a:schemeClr val="tx1"/>
+    </dgm:txFillClrLst>
+    <dgm:txEffectClrLst/>
+  </dgm:styleLbl>
+  <dgm:styleLbl name="parChTrans1D4">
+    <dgm:fillClrLst meth="repeat">
+      <a:schemeClr val="accent1"/>
+    </dgm:fillClrLst>
+    <dgm:linClrLst meth="repeat">
+      <a:schemeClr val="accent1">
+        <a:shade val="80000"/>
+      </a:schemeClr>
+    </dgm:linClrLst>
+    <dgm:effectClrLst/>
+    <dgm:txLinClrLst/>
+    <dgm:txFillClrLst meth="repeat">
+      <a:schemeClr val="tx1"/>
+    </dgm:txFillClrLst>
+    <dgm:txEffectClrLst/>
+  </dgm:styleLbl>
+  <dgm:styleLbl name="fgAcc1">
+    <dgm:fillClrLst meth="repeat">
+      <a:schemeClr val="lt1">
+        <a:alpha val="90000"/>
+      </a:schemeClr>
+    </dgm:fillClrLst>
+    <dgm:linClrLst meth="repeat">
+      <a:schemeClr val="accent1"/>
+    </dgm:linClrLst>
+    <dgm:effectClrLst/>
+    <dgm:txLinClrLst/>
+    <dgm:txFillClrLst meth="repeat">
+      <a:schemeClr val="dk1"/>
+    </dgm:txFillClrLst>
+    <dgm:txEffectClrLst/>
+  </dgm:styleLbl>
+  <dgm:styleLbl name="conFgAcc1">
+    <dgm:fillClrLst meth="repeat">
+      <a:schemeClr val="lt1">
+        <a:alpha val="90000"/>
+      </a:schemeClr>
+    </dgm:fillClrLst>
+    <dgm:linClrLst meth="repeat">
+      <a:schemeClr val="accent1"/>
+    </dgm:linClrLst>
+    <dgm:effectClrLst/>
+    <dgm:txLinClrLst/>
+    <dgm:txFillClrLst meth="repeat">
+      <a:schemeClr val="dk1"/>
+    </dgm:txFillClrLst>
+    <dgm:txEffectClrLst/>
+  </dgm:styleLbl>
+  <dgm:styleLbl name="alignAcc1">
+    <dgm:fillClrLst meth="repeat">
+      <a:schemeClr val="lt1">
+        <a:alpha val="90000"/>
+      </a:schemeClr>
+    </dgm:fillClrLst>
+    <dgm:linClrLst meth="repeat">
+      <a:schemeClr val="accent1"/>
+    </dgm:linClrLst>
+    <dgm:effectClrLst/>
+    <dgm:txLinClrLst/>
+    <dgm:txFillClrLst meth="repeat">
+      <a:schemeClr val="dk1"/>
+    </dgm:txFillClrLst>
+    <dgm:txEffectClrLst/>
+  </dgm:styleLbl>
+  <dgm:styleLbl name="trAlignAcc1">
+    <dgm:fillClrLst meth="repeat">
+      <a:schemeClr val="lt1">
+        <a:alpha val="40000"/>
+      </a:schemeClr>
+    </dgm:fillClrLst>
+    <dgm:linClrLst meth="repeat">
+      <a:schemeClr val="accent1"/>
+    </dgm:linClrLst>
+    <dgm:effectClrLst/>
+    <dgm:txLinClrLst/>
+    <dgm:txFillClrLst meth="repeat">
+      <a:schemeClr val="dk1"/>
+    </dgm:txFillClrLst>
+    <dgm:txEffectClrLst/>
+  </dgm:styleLbl>
+  <dgm:styleLbl name="bgAcc1">
+    <dgm:fillClrLst meth="repeat">
+      <a:schemeClr val="lt1">
+        <a:alpha val="90000"/>
+      </a:schemeClr>
+    </dgm:fillClrLst>
+    <dgm:linClrLst meth="repeat">
+      <a:schemeClr val="accent1"/>
+    </dgm:linClrLst>
+    <dgm:effectClrLst/>
+    <dgm:txLinClrLst/>
+    <dgm:txFillClrLst meth="repeat">
+      <a:schemeClr val="dk1"/>
+    </dgm:txFillClrLst>
+    <dgm:txEffectClrLst/>
+  </dgm:styleLbl>
+  <dgm:styleLbl name="solidFgAcc1">
+    <dgm:fillClrLst meth="repeat">
+      <a:schemeClr val="lt1"/>
+    </dgm:fillClrLst>
+    <dgm:linClrLst meth="repeat">
+      <a:schemeClr val="accent1"/>
+    </dgm:linClrLst>
+    <dgm:effectClrLst/>
+    <dgm:txLinClrLst/>
+    <dgm:txFillClrLst meth="repeat">
+      <a:schemeClr val="dk1"/>
+    </dgm:txFillClrLst>
+    <dgm:txEffectClrLst/>
+  </dgm:styleLbl>
+  <dgm:styleLbl name="solidAlignAcc1">
+    <dgm:fillClrLst meth="repeat">
+      <a:schemeClr val="lt1"/>
+    </dgm:fillClrLst>
+    <dgm:linClrLst meth="repeat">
+      <a:schemeClr val="accent1"/>
+    </dgm:linClrLst>
+    <dgm:effectClrLst/>
+    <dgm:txLinClrLst/>
+    <dgm:txFillClrLst meth="repeat">
+      <a:schemeClr val="dk1"/>
+    </dgm:txFillClrLst>
+    <dgm:txEffectClrLst/>
+  </dgm:styleLbl>
+  <dgm:styleLbl name="solidBgAcc1">
+    <dgm:fillClrLst meth="repeat">
+      <a:schemeClr val="lt1"/>
+    </dgm:fillClrLst>
+    <dgm:linClrLst meth="repeat">
+      <a:schemeClr val="accent1"/>
+    </dgm:linClrLst>
+    <dgm:effectClrLst/>
+    <dgm:txLinClrLst/>
+    <dgm:txFillClrLst meth="repeat">
+      <a:schemeClr val="dk1"/>
+    </dgm:txFillClrLst>
+    <dgm:txEffectClrLst/>
+  </dgm:styleLbl>
+  <dgm:styleLbl name="fgAccFollowNode1">
+    <dgm:fillClrLst meth="repeat">
+      <a:schemeClr val="accent1">
+        <a:alpha val="90000"/>
+        <a:tint val="40000"/>
+      </a:schemeClr>
+    </dgm:fillClrLst>
+    <dgm:linClrLst meth="repeat">
+      <a:schemeClr val="accent1">
+        <a:alpha val="90000"/>
+        <a:tint val="40000"/>
+      </a:schemeClr>
+    </dgm:linClrLst>
+    <dgm:effectClrLst/>
+    <dgm:txLinClrLst/>
+    <dgm:txFillClrLst meth="repeat">
+      <a:schemeClr val="dk1"/>
+    </dgm:txFillClrLst>
+    <dgm:txEffectClrLst/>
+  </dgm:styleLbl>
+  <dgm:styleLbl name="alignAccFollowNode1">
+    <dgm:fillClrLst meth="repeat">
+      <a:schemeClr val="accent1">
+        <a:alpha val="90000"/>
+        <a:tint val="40000"/>
+      </a:schemeClr>
+    </dgm:fillClrLst>
+    <dgm:linClrLst meth="repeat">
+      <a:schemeClr val="accent1">
+        <a:alpha val="90000"/>
+        <a:tint val="40000"/>
+      </a:schemeClr>
+    </dgm:linClrLst>
+    <dgm:effectClrLst/>
+    <dgm:txLinClrLst/>
+    <dgm:txFillClrLst meth="repeat">
+      <a:schemeClr val="dk1"/>
+    </dgm:txFillClrLst>
+    <dgm:txEffectClrLst/>
+  </dgm:styleLbl>
+  <dgm:styleLbl name="bgAccFollowNode1">
+    <dgm:fillClrLst meth="repeat">
+      <a:schemeClr val="accent1">
+        <a:alpha val="90000"/>
+        <a:tint val="40000"/>
+      </a:schemeClr>
+    </dgm:fillClrLst>
+    <dgm:linClrLst meth="repeat">
+      <a:schemeClr val="accent1">
+        <a:alpha val="90000"/>
+        <a:tint val="40000"/>
+      </a:schemeClr>
+    </dgm:linClrLst>
+    <dgm:effectClrLst/>
+    <dgm:txLinClrLst/>
+    <dgm:txFillClrLst meth="repeat">
+      <a:schemeClr val="dk1"/>
+    </dgm:txFillClrLst>
+    <dgm:txEffectClrLst/>
+  </dgm:styleLbl>
+  <dgm:styleLbl name="fgAcc0">
+    <dgm:fillClrLst meth="repeat">
+      <a:schemeClr val="lt1">
+        <a:alpha val="90000"/>
+      </a:schemeClr>
+    </dgm:fillClrLst>
+    <dgm:linClrLst meth="repeat">
+      <a:schemeClr val="accent1"/>
+    </dgm:linClrLst>
+    <dgm:effectClrLst/>
+    <dgm:txLinClrLst/>
+    <dgm:txFillClrLst meth="repeat">
+      <a:schemeClr val="dk1"/>
+    </dgm:txFillClrLst>
+    <dgm:txEffectClrLst/>
+  </dgm:styleLbl>
+  <dgm:styleLbl name="fgAcc2">
+    <dgm:fillClrLst meth="repeat">
+      <a:schemeClr val="lt1">
+        <a:alpha val="90000"/>
+      </a:schemeClr>
+    </dgm:fillClrLst>
+    <dgm:linClrLst meth="repeat">
+      <a:schemeClr val="accent1"/>
+    </dgm:linClrLst>
+    <dgm:effectClrLst/>
+    <dgm:txLinClrLst/>
+    <dgm:txFillClrLst meth="repeat">
+      <a:schemeClr val="dk1"/>
+    </dgm:txFillClrLst>
+    <dgm:txEffectClrLst/>
+  </dgm:styleLbl>
+  <dgm:styleLbl name="fgAcc3">
+    <dgm:fillClrLst meth="repeat">
+      <a:schemeClr val="lt1">
+        <a:alpha val="90000"/>
+      </a:schemeClr>
+    </dgm:fillClrLst>
+    <dgm:linClrLst meth="repeat">
+      <a:schemeClr val="accent1"/>
+    </dgm:linClrLst>
+    <dgm:effectClrLst/>
+    <dgm:txLinClrLst/>
+    <dgm:txFillClrLst meth="repeat">
+      <a:schemeClr val="dk1"/>
+    </dgm:txFillClrLst>
+    <dgm:txEffectClrLst/>
+  </dgm:styleLbl>
+  <dgm:styleLbl name="fgAcc4">
+    <dgm:fillClrLst meth="repeat">
+      <a:schemeClr val="lt1">
+        <a:alpha val="90000"/>
+      </a:schemeClr>
+    </dgm:fillClrLst>
+    <dgm:linClrLst meth="repeat">
+      <a:schemeClr val="accent1"/>
+    </dgm:linClrLst>
+    <dgm:effectClrLst/>
+    <dgm:txLinClrLst/>
+    <dgm:txFillClrLst meth="repeat">
+      <a:schemeClr val="dk1"/>
+    </dgm:txFillClrLst>
+    <dgm:txEffectClrLst/>
+  </dgm:styleLbl>
+  <dgm:styleLbl name="bgShp">
+    <dgm:fillClrLst meth="repeat">
+      <a:schemeClr val="accent1">
+        <a:tint val="40000"/>
+      </a:schemeClr>
+    </dgm:fillClrLst>
+    <dgm:linClrLst meth="repeat">
+      <a:schemeClr val="accent1"/>
+    </dgm:linClrLst>
+    <dgm:effectClrLst/>
+    <dgm:txLinClrLst/>
+    <dgm:txFillClrLst meth="repeat">
+      <a:schemeClr val="dk1"/>
+    </dgm:txFillClrLst>
+    <dgm:txEffectClrLst/>
+  </dgm:styleLbl>
+  <dgm:styleLbl name="dkBgShp">
+    <dgm:fillClrLst meth="repeat">
+      <a:schemeClr val="accent1">
+        <a:shade val="80000"/>
+      </a:schemeClr>
+    </dgm:fillClrLst>
+    <dgm:linClrLst meth="repeat">
+      <a:schemeClr val="accent1"/>
+    </dgm:linClrLst>
+    <dgm:effectClrLst/>
+    <dgm:txLinClrLst/>
+    <dgm:txFillClrLst meth="repeat">
+      <a:schemeClr val="lt1"/>
+    </dgm:txFillClrLst>
+    <dgm:txEffectClrLst/>
+  </dgm:styleLbl>
+  <dgm:styleLbl name="trBgShp">
+    <dgm:fillClrLst meth="repeat">
+      <a:schemeClr val="accent1">
+        <a:tint val="50000"/>
+        <a:alpha val="40000"/>
+      </a:schemeClr>
+    </dgm:fillClrLst>
+    <dgm:linClrLst meth="repeat">
+      <a:schemeClr val="accent1"/>
+    </dgm:linClrLst>
+    <dgm:effectClrLst/>
+    <dgm:txLinClrLst/>
+    <dgm:txFillClrLst meth="repeat">
+      <a:schemeClr val="lt1"/>
+    </dgm:txFillClrLst>
+    <dgm:txEffectClrLst/>
+  </dgm:styleLbl>
+  <dgm:styleLbl name="fgShp">
+    <dgm:fillClrLst meth="repeat">
+      <a:schemeClr val="accent1">
+        <a:tint val="60000"/>
+      </a:schemeClr>
+    </dgm:fillClrLst>
+    <dgm:linClrLst meth="repeat">
+      <a:schemeClr val="lt1"/>
+    </dgm:linClrLst>
+    <dgm:effectClrLst/>
+    <dgm:txLinClrLst/>
+    <dgm:txFillClrLst meth="repeat">
+      <a:schemeClr val="dk1"/>
+    </dgm:txFillClrLst>
+    <dgm:txEffectClrLst/>
+  </dgm:styleLbl>
+  <dgm:styleLbl name="revTx">
+    <dgm:fillClrLst meth="repeat">
+      <a:schemeClr val="lt1">
+        <a:alpha val="0"/>
+      </a:schemeClr>
+    </dgm:fillClrLst>
+    <dgm:linClrLst meth="repeat">
+      <a:schemeClr val="dk1">
+        <a:alpha val="0"/>
+      </a:schemeClr>
+    </dgm:linClrLst>
+    <dgm:effectClrLst/>
+    <dgm:txLinClrLst/>
+    <dgm:txFillClrLst meth="repeat">
+      <a:schemeClr val="tx1"/>
+    </dgm:txFillClrLst>
+    <dgm:txEffectClrLst/>
+  </dgm:styleLbl>
+</dgm:colorsDef>
+</file>
+
+<file path=ppt/diagrams/data1.xml><?xml version="1.0" encoding="utf-8"?>
+<dgm:dataModel xmlns:dgm="http://schemas.openxmlformats.org/drawingml/2006/diagram" xmlns:a="http://schemas.openxmlformats.org/drawingml/2006/main">
+  <dgm:ptLst>
+    <dgm:pt modelId="{44B1E349-2CC7-47E3-A430-4B5124E4C00F}" type="doc">
+      <dgm:prSet loTypeId="urn:microsoft.com/office/officeart/2005/8/layout/radial5" loCatId="cycle" qsTypeId="urn:microsoft.com/office/officeart/2005/8/quickstyle/simple1" qsCatId="simple" csTypeId="urn:microsoft.com/office/officeart/2005/8/colors/accent1_2" csCatId="accent1" phldr="1"/>
+      <dgm:spPr/>
+      <dgm:t>
+        <a:bodyPr/>
+        <a:lstStyle/>
+        <a:p>
+          <a:endParaRPr lang="zh-CN" altLang="en-US"/>
+        </a:p>
+      </dgm:t>
+    </dgm:pt>
+    <dgm:pt modelId="{DEB6508C-F810-446B-AEC7-DBFCC310E5A2}">
+      <dgm:prSet phldrT="[文本]"/>
+      <dgm:spPr/>
+      <dgm:t>
+        <a:bodyPr/>
+        <a:lstStyle/>
+        <a:p>
+          <a:r>
+            <a:rPr lang="zh-CN" altLang="en-US" dirty="0" smtClean="0"/>
+            <a:t>爬虫</a:t>
+          </a:r>
+          <a:endParaRPr lang="zh-CN" altLang="en-US" dirty="0"/>
+        </a:p>
+      </dgm:t>
+    </dgm:pt>
+    <dgm:pt modelId="{4F3D5D73-AAA4-4AD3-B7C2-CAF999A4E018}" type="parTrans" cxnId="{24DB3B62-87D8-4188-BEFC-020003DEF8A6}">
+      <dgm:prSet/>
+      <dgm:spPr/>
+      <dgm:t>
+        <a:bodyPr/>
+        <a:lstStyle/>
+        <a:p>
+          <a:endParaRPr lang="zh-CN" altLang="en-US"/>
+        </a:p>
+      </dgm:t>
+    </dgm:pt>
+    <dgm:pt modelId="{B1FAEBA7-E5BC-4D45-A361-359E95D9164D}" type="sibTrans" cxnId="{24DB3B62-87D8-4188-BEFC-020003DEF8A6}">
+      <dgm:prSet/>
+      <dgm:spPr/>
+      <dgm:t>
+        <a:bodyPr/>
+        <a:lstStyle/>
+        <a:p>
+          <a:endParaRPr lang="zh-CN" altLang="en-US"/>
+        </a:p>
+      </dgm:t>
+    </dgm:pt>
+    <dgm:pt modelId="{1E69508E-8FF7-4291-AD77-40F112AE7D06}">
+      <dgm:prSet phldrT="[文本]"/>
+      <dgm:spPr/>
+      <dgm:t>
+        <a:bodyPr/>
+        <a:lstStyle/>
+        <a:p>
+          <a:r>
+            <a:rPr lang="zh-CN" altLang="en-US" dirty="0" smtClean="0"/>
+            <a:t>文本</a:t>
+          </a:r>
+          <a:endParaRPr lang="zh-CN" altLang="en-US" dirty="0"/>
+        </a:p>
+      </dgm:t>
+    </dgm:pt>
+    <dgm:pt modelId="{DB6A8778-DB56-40AA-BE38-1A1D465E1207}" type="parTrans" cxnId="{0F7B296A-0868-4D2B-83DC-CAD528AEEA29}">
+      <dgm:prSet/>
+      <dgm:spPr/>
+      <dgm:t>
+        <a:bodyPr/>
+        <a:lstStyle/>
+        <a:p>
+          <a:endParaRPr lang="zh-CN" altLang="en-US"/>
+        </a:p>
+      </dgm:t>
+    </dgm:pt>
+    <dgm:pt modelId="{FCBBDE5E-E3EC-4C0D-AEE9-BE457F975FE4}" type="sibTrans" cxnId="{0F7B296A-0868-4D2B-83DC-CAD528AEEA29}">
+      <dgm:prSet/>
+      <dgm:spPr/>
+      <dgm:t>
+        <a:bodyPr/>
+        <a:lstStyle/>
+        <a:p>
+          <a:endParaRPr lang="zh-CN" altLang="en-US"/>
+        </a:p>
+      </dgm:t>
+    </dgm:pt>
+    <dgm:pt modelId="{7767BA8B-419C-47D5-952A-9D033CC55AB8}">
+      <dgm:prSet phldrT="[文本]"/>
+      <dgm:spPr/>
+      <dgm:t>
+        <a:bodyPr/>
+        <a:lstStyle/>
+        <a:p>
+          <a:r>
+            <a:rPr lang="zh-CN" altLang="en-US" dirty="0" smtClean="0"/>
+            <a:t>图片</a:t>
+          </a:r>
+          <a:endParaRPr lang="zh-CN" altLang="en-US" dirty="0"/>
+        </a:p>
+      </dgm:t>
+    </dgm:pt>
+    <dgm:pt modelId="{C53361F6-5753-4B95-A97E-49EABD4E444B}" type="parTrans" cxnId="{491A753A-979A-4FA0-8FE6-20483F553A90}">
+      <dgm:prSet/>
+      <dgm:spPr/>
+      <dgm:t>
+        <a:bodyPr/>
+        <a:lstStyle/>
+        <a:p>
+          <a:endParaRPr lang="zh-CN" altLang="en-US"/>
+        </a:p>
+      </dgm:t>
+    </dgm:pt>
+    <dgm:pt modelId="{95430E73-D8D5-4770-B6AD-9ABFFD2EC6F9}" type="sibTrans" cxnId="{491A753A-979A-4FA0-8FE6-20483F553A90}">
+      <dgm:prSet/>
+      <dgm:spPr/>
+      <dgm:t>
+        <a:bodyPr/>
+        <a:lstStyle/>
+        <a:p>
+          <a:endParaRPr lang="zh-CN" altLang="en-US"/>
+        </a:p>
+      </dgm:t>
+    </dgm:pt>
+    <dgm:pt modelId="{F3BF0073-06CF-4CF4-AFCD-F2E6DA353C4A}">
+      <dgm:prSet phldrT="[文本]"/>
+      <dgm:spPr/>
+      <dgm:t>
+        <a:bodyPr/>
+        <a:lstStyle/>
+        <a:p>
+          <a:r>
+            <a:rPr lang="zh-CN" altLang="en-US" dirty="0" smtClean="0"/>
+            <a:t>音乐</a:t>
+          </a:r>
+          <a:endParaRPr lang="zh-CN" altLang="en-US" dirty="0"/>
+        </a:p>
+      </dgm:t>
+    </dgm:pt>
+    <dgm:pt modelId="{F1ED898F-060D-4A79-AC03-A4B6A186A83B}" type="parTrans" cxnId="{54AAFCAE-A795-48ED-A8B4-2AF1ED94DB3F}">
+      <dgm:prSet/>
+      <dgm:spPr/>
+      <dgm:t>
+        <a:bodyPr/>
+        <a:lstStyle/>
+        <a:p>
+          <a:endParaRPr lang="zh-CN" altLang="en-US"/>
+        </a:p>
+      </dgm:t>
+    </dgm:pt>
+    <dgm:pt modelId="{FE7D1EE6-2F31-4782-A1D6-AFDB93A68575}" type="sibTrans" cxnId="{54AAFCAE-A795-48ED-A8B4-2AF1ED94DB3F}">
+      <dgm:prSet/>
+      <dgm:spPr/>
+      <dgm:t>
+        <a:bodyPr/>
+        <a:lstStyle/>
+        <a:p>
+          <a:endParaRPr lang="zh-CN" altLang="en-US"/>
+        </a:p>
+      </dgm:t>
+    </dgm:pt>
+    <dgm:pt modelId="{E203AA18-4A7E-40C8-888E-28F2D2884EF1}">
+      <dgm:prSet phldrT="[文本]"/>
+      <dgm:spPr/>
+      <dgm:t>
+        <a:bodyPr/>
+        <a:lstStyle/>
+        <a:p>
+          <a:r>
+            <a:rPr lang="zh-CN" altLang="en-US" dirty="0" smtClean="0"/>
+            <a:t>电影</a:t>
+          </a:r>
+          <a:endParaRPr lang="zh-CN" altLang="en-US" dirty="0"/>
+        </a:p>
+      </dgm:t>
+    </dgm:pt>
+    <dgm:pt modelId="{82FB91F4-3C81-4009-9D57-9E63A7B797E9}" type="parTrans" cxnId="{9E9A3DA7-822A-4F97-8BA2-95FDDDB78008}">
+      <dgm:prSet/>
+      <dgm:spPr/>
+      <dgm:t>
+        <a:bodyPr/>
+        <a:lstStyle/>
+        <a:p>
+          <a:endParaRPr lang="zh-CN" altLang="en-US"/>
+        </a:p>
+      </dgm:t>
+    </dgm:pt>
+    <dgm:pt modelId="{6444EC86-6DD6-4F5E-A447-278F446F1CAA}" type="sibTrans" cxnId="{9E9A3DA7-822A-4F97-8BA2-95FDDDB78008}">
+      <dgm:prSet/>
+      <dgm:spPr/>
+      <dgm:t>
+        <a:bodyPr/>
+        <a:lstStyle/>
+        <a:p>
+          <a:endParaRPr lang="zh-CN" altLang="en-US"/>
+        </a:p>
+      </dgm:t>
+    </dgm:pt>
+    <dgm:pt modelId="{D08C6EE0-3280-4569-BED7-D68481DFFA9F}">
+      <dgm:prSet phldrT="[文本]"/>
+      <dgm:spPr/>
+      <dgm:t>
+        <a:bodyPr/>
+        <a:lstStyle/>
+        <a:p>
+          <a:r>
+            <a:rPr lang="zh-CN" altLang="en-US" dirty="0" smtClean="0"/>
+            <a:t>压缩包</a:t>
+          </a:r>
+          <a:endParaRPr lang="zh-CN" altLang="en-US" dirty="0"/>
+        </a:p>
+      </dgm:t>
+    </dgm:pt>
+    <dgm:pt modelId="{C061CBEA-4ECA-4F36-B2F0-00AE34004EF0}" type="parTrans" cxnId="{D1423F56-2902-4D19-BFD9-818B832C9F8B}">
+      <dgm:prSet/>
+      <dgm:spPr/>
+      <dgm:t>
+        <a:bodyPr/>
+        <a:lstStyle/>
+        <a:p>
+          <a:endParaRPr lang="zh-CN" altLang="en-US"/>
+        </a:p>
+      </dgm:t>
+    </dgm:pt>
+    <dgm:pt modelId="{64B0B153-B133-4C6E-8F97-0668D2F4636E}" type="sibTrans" cxnId="{D1423F56-2902-4D19-BFD9-818B832C9F8B}">
+      <dgm:prSet/>
+      <dgm:spPr/>
+      <dgm:t>
+        <a:bodyPr/>
+        <a:lstStyle/>
+        <a:p>
+          <a:endParaRPr lang="zh-CN" altLang="en-US"/>
+        </a:p>
+      </dgm:t>
+    </dgm:pt>
+    <dgm:pt modelId="{9B63D8FD-70AB-4D67-B1A3-A0A55A198169}">
+      <dgm:prSet phldrT="[文本]"/>
+      <dgm:spPr/>
+      <dgm:t>
+        <a:bodyPr/>
+        <a:lstStyle/>
+        <a:p>
+          <a:r>
+            <a:rPr lang="zh-CN" altLang="en-US" dirty="0" smtClean="0"/>
+            <a:t>软件</a:t>
+          </a:r>
+          <a:endParaRPr lang="zh-CN" altLang="en-US" dirty="0"/>
+        </a:p>
+      </dgm:t>
+    </dgm:pt>
+    <dgm:pt modelId="{A7EA6E3C-AEED-4F9B-B5B1-8480ED1DDB2A}" type="parTrans" cxnId="{53FE052A-BF36-459C-9AED-452B9442265E}">
+      <dgm:prSet/>
+      <dgm:spPr/>
+      <dgm:t>
+        <a:bodyPr/>
+        <a:lstStyle/>
+        <a:p>
+          <a:endParaRPr lang="zh-CN" altLang="en-US"/>
+        </a:p>
+      </dgm:t>
+    </dgm:pt>
+    <dgm:pt modelId="{59D75C27-963E-452E-9454-B36B0B31C6D6}" type="sibTrans" cxnId="{53FE052A-BF36-459C-9AED-452B9442265E}">
+      <dgm:prSet/>
+      <dgm:spPr/>
+      <dgm:t>
+        <a:bodyPr/>
+        <a:lstStyle/>
+        <a:p>
+          <a:endParaRPr lang="zh-CN" altLang="en-US"/>
+        </a:p>
+      </dgm:t>
+    </dgm:pt>
+    <dgm:pt modelId="{B6FE1EFC-E0B4-4CC4-9FF2-9757FBA4756B}" type="pres">
+      <dgm:prSet presAssocID="{44B1E349-2CC7-47E3-A430-4B5124E4C00F}" presName="Name0" presStyleCnt="0">
+        <dgm:presLayoutVars>
+          <dgm:chMax val="1"/>
+          <dgm:dir/>
+          <dgm:animLvl val="ctr"/>
+          <dgm:resizeHandles val="exact"/>
+        </dgm:presLayoutVars>
+      </dgm:prSet>
+      <dgm:spPr/>
+    </dgm:pt>
+    <dgm:pt modelId="{AF6C8E85-8055-4F80-A4CE-4BF05EB616CD}" type="pres">
+      <dgm:prSet presAssocID="{DEB6508C-F810-446B-AEC7-DBFCC310E5A2}" presName="centerShape" presStyleLbl="node0" presStyleIdx="0" presStyleCnt="1"/>
+      <dgm:spPr/>
+    </dgm:pt>
+    <dgm:pt modelId="{B8367017-D7A0-4FC5-97AF-97456E26D9B2}" type="pres">
+      <dgm:prSet presAssocID="{DB6A8778-DB56-40AA-BE38-1A1D465E1207}" presName="parTrans" presStyleLbl="sibTrans2D1" presStyleIdx="0" presStyleCnt="6"/>
+      <dgm:spPr/>
+    </dgm:pt>
+    <dgm:pt modelId="{A8ECFFE9-54BA-4135-ADD0-6F181D7BD730}" type="pres">
+      <dgm:prSet presAssocID="{DB6A8778-DB56-40AA-BE38-1A1D465E1207}" presName="connectorText" presStyleLbl="sibTrans2D1" presStyleIdx="0" presStyleCnt="6"/>
+      <dgm:spPr/>
+    </dgm:pt>
+    <dgm:pt modelId="{D80817BE-B7A8-4E36-8B98-0D2596ABE646}" type="pres">
+      <dgm:prSet presAssocID="{1E69508E-8FF7-4291-AD77-40F112AE7D06}" presName="node" presStyleLbl="node1" presStyleIdx="0" presStyleCnt="6">
+        <dgm:presLayoutVars>
+          <dgm:bulletEnabled val="1"/>
+        </dgm:presLayoutVars>
+      </dgm:prSet>
+      <dgm:spPr/>
+    </dgm:pt>
+    <dgm:pt modelId="{F2112158-46E9-4237-9F82-6BFC8B5C9F98}" type="pres">
+      <dgm:prSet presAssocID="{C53361F6-5753-4B95-A97E-49EABD4E444B}" presName="parTrans" presStyleLbl="sibTrans2D1" presStyleIdx="1" presStyleCnt="6"/>
+      <dgm:spPr/>
+    </dgm:pt>
+    <dgm:pt modelId="{BD44B44C-A0E7-453E-A54F-1F35A8148768}" type="pres">
+      <dgm:prSet presAssocID="{C53361F6-5753-4B95-A97E-49EABD4E444B}" presName="connectorText" presStyleLbl="sibTrans2D1" presStyleIdx="1" presStyleCnt="6"/>
+      <dgm:spPr/>
+    </dgm:pt>
+    <dgm:pt modelId="{D3543C47-3923-4ED4-BC49-6DE6C90E65AC}" type="pres">
+      <dgm:prSet presAssocID="{7767BA8B-419C-47D5-952A-9D033CC55AB8}" presName="node" presStyleLbl="node1" presStyleIdx="1" presStyleCnt="6">
+        <dgm:presLayoutVars>
+          <dgm:bulletEnabled val="1"/>
+        </dgm:presLayoutVars>
+      </dgm:prSet>
+      <dgm:spPr/>
+    </dgm:pt>
+    <dgm:pt modelId="{FD68F461-995E-44A6-9425-FF0560A0735A}" type="pres">
+      <dgm:prSet presAssocID="{F1ED898F-060D-4A79-AC03-A4B6A186A83B}" presName="parTrans" presStyleLbl="sibTrans2D1" presStyleIdx="2" presStyleCnt="6"/>
+      <dgm:spPr/>
+    </dgm:pt>
+    <dgm:pt modelId="{1B770880-0531-4886-97C6-84B229853BA7}" type="pres">
+      <dgm:prSet presAssocID="{F1ED898F-060D-4A79-AC03-A4B6A186A83B}" presName="connectorText" presStyleLbl="sibTrans2D1" presStyleIdx="2" presStyleCnt="6"/>
+      <dgm:spPr/>
+    </dgm:pt>
+    <dgm:pt modelId="{839E5024-2DA9-4567-B16C-4C8A7F09EAC8}" type="pres">
+      <dgm:prSet presAssocID="{F3BF0073-06CF-4CF4-AFCD-F2E6DA353C4A}" presName="node" presStyleLbl="node1" presStyleIdx="2" presStyleCnt="6">
+        <dgm:presLayoutVars>
+          <dgm:bulletEnabled val="1"/>
+        </dgm:presLayoutVars>
+      </dgm:prSet>
+      <dgm:spPr/>
+    </dgm:pt>
+    <dgm:pt modelId="{7AB25106-425B-4243-8A08-E9411CD4A0F1}" type="pres">
+      <dgm:prSet presAssocID="{82FB91F4-3C81-4009-9D57-9E63A7B797E9}" presName="parTrans" presStyleLbl="sibTrans2D1" presStyleIdx="3" presStyleCnt="6"/>
+      <dgm:spPr/>
+    </dgm:pt>
+    <dgm:pt modelId="{0665388C-9A8C-44C8-9969-8C90C8A63935}" type="pres">
+      <dgm:prSet presAssocID="{82FB91F4-3C81-4009-9D57-9E63A7B797E9}" presName="connectorText" presStyleLbl="sibTrans2D1" presStyleIdx="3" presStyleCnt="6"/>
+      <dgm:spPr/>
+    </dgm:pt>
+    <dgm:pt modelId="{4BACEA01-3D60-4B4D-8DAE-F155FE668452}" type="pres">
+      <dgm:prSet presAssocID="{E203AA18-4A7E-40C8-888E-28F2D2884EF1}" presName="node" presStyleLbl="node1" presStyleIdx="3" presStyleCnt="6">
+        <dgm:presLayoutVars>
+          <dgm:bulletEnabled val="1"/>
+        </dgm:presLayoutVars>
+      </dgm:prSet>
+      <dgm:spPr/>
+      <dgm:t>
+        <a:bodyPr/>
+        <a:lstStyle/>
+        <a:p>
+          <a:endParaRPr lang="zh-CN" altLang="en-US"/>
+        </a:p>
+      </dgm:t>
+    </dgm:pt>
+    <dgm:pt modelId="{A95717F8-93AA-4336-AEC3-E39AB5480945}" type="pres">
+      <dgm:prSet presAssocID="{C061CBEA-4ECA-4F36-B2F0-00AE34004EF0}" presName="parTrans" presStyleLbl="sibTrans2D1" presStyleIdx="4" presStyleCnt="6"/>
+      <dgm:spPr/>
+    </dgm:pt>
+    <dgm:pt modelId="{B0A5B54D-8EF6-4D78-B9CE-878C1951DD5D}" type="pres">
+      <dgm:prSet presAssocID="{C061CBEA-4ECA-4F36-B2F0-00AE34004EF0}" presName="connectorText" presStyleLbl="sibTrans2D1" presStyleIdx="4" presStyleCnt="6"/>
+      <dgm:spPr/>
+    </dgm:pt>
+    <dgm:pt modelId="{05C6F5E8-2425-41E3-B14A-94919D37EA16}" type="pres">
+      <dgm:prSet presAssocID="{D08C6EE0-3280-4569-BED7-D68481DFFA9F}" presName="node" presStyleLbl="node1" presStyleIdx="4" presStyleCnt="6">
+        <dgm:presLayoutVars>
+          <dgm:bulletEnabled val="1"/>
+        </dgm:presLayoutVars>
+      </dgm:prSet>
+      <dgm:spPr/>
+    </dgm:pt>
+    <dgm:pt modelId="{A9201E25-0DAB-40CE-AD88-F4CDBC772C1D}" type="pres">
+      <dgm:prSet presAssocID="{A7EA6E3C-AEED-4F9B-B5B1-8480ED1DDB2A}" presName="parTrans" presStyleLbl="sibTrans2D1" presStyleIdx="5" presStyleCnt="6"/>
+      <dgm:spPr/>
+    </dgm:pt>
+    <dgm:pt modelId="{8DEA3162-77F7-4E73-A802-8F6F230F8D42}" type="pres">
+      <dgm:prSet presAssocID="{A7EA6E3C-AEED-4F9B-B5B1-8480ED1DDB2A}" presName="connectorText" presStyleLbl="sibTrans2D1" presStyleIdx="5" presStyleCnt="6"/>
+      <dgm:spPr/>
+    </dgm:pt>
+    <dgm:pt modelId="{67FEC21F-B7E8-4395-B780-E54C1E4E8C96}" type="pres">
+      <dgm:prSet presAssocID="{9B63D8FD-70AB-4D67-B1A3-A0A55A198169}" presName="node" presStyleLbl="node1" presStyleIdx="5" presStyleCnt="6">
+        <dgm:presLayoutVars>
+          <dgm:bulletEnabled val="1"/>
+        </dgm:presLayoutVars>
+      </dgm:prSet>
+      <dgm:spPr/>
+    </dgm:pt>
+  </dgm:ptLst>
+  <dgm:cxnLst>
+    <dgm:cxn modelId="{E068D1BF-945A-46A8-A8BF-7CFB761E4456}" type="presOf" srcId="{7767BA8B-419C-47D5-952A-9D033CC55AB8}" destId="{D3543C47-3923-4ED4-BC49-6DE6C90E65AC}" srcOrd="0" destOrd="0" presId="urn:microsoft.com/office/officeart/2005/8/layout/radial5"/>
+    <dgm:cxn modelId="{E166C2C3-25BD-4EA6-A65E-5E70A451BBF7}" type="presOf" srcId="{1E69508E-8FF7-4291-AD77-40F112AE7D06}" destId="{D80817BE-B7A8-4E36-8B98-0D2596ABE646}" srcOrd="0" destOrd="0" presId="urn:microsoft.com/office/officeart/2005/8/layout/radial5"/>
+    <dgm:cxn modelId="{97EDB379-20B0-404E-94D5-4ED36C44F57D}" type="presOf" srcId="{F1ED898F-060D-4A79-AC03-A4B6A186A83B}" destId="{FD68F461-995E-44A6-9425-FF0560A0735A}" srcOrd="0" destOrd="0" presId="urn:microsoft.com/office/officeart/2005/8/layout/radial5"/>
+    <dgm:cxn modelId="{98171C95-4BAB-4B71-B8E9-07E443AB6847}" type="presOf" srcId="{DEB6508C-F810-446B-AEC7-DBFCC310E5A2}" destId="{AF6C8E85-8055-4F80-A4CE-4BF05EB616CD}" srcOrd="0" destOrd="0" presId="urn:microsoft.com/office/officeart/2005/8/layout/radial5"/>
+    <dgm:cxn modelId="{1E713129-49AE-4BD4-810B-B84B067D325C}" type="presOf" srcId="{9B63D8FD-70AB-4D67-B1A3-A0A55A198169}" destId="{67FEC21F-B7E8-4395-B780-E54C1E4E8C96}" srcOrd="0" destOrd="0" presId="urn:microsoft.com/office/officeart/2005/8/layout/radial5"/>
+    <dgm:cxn modelId="{491A753A-979A-4FA0-8FE6-20483F553A90}" srcId="{DEB6508C-F810-446B-AEC7-DBFCC310E5A2}" destId="{7767BA8B-419C-47D5-952A-9D033CC55AB8}" srcOrd="1" destOrd="0" parTransId="{C53361F6-5753-4B95-A97E-49EABD4E444B}" sibTransId="{95430E73-D8D5-4770-B6AD-9ABFFD2EC6F9}"/>
+    <dgm:cxn modelId="{8B32D522-8583-4B35-8B48-5039F1F963E8}" type="presOf" srcId="{A7EA6E3C-AEED-4F9B-B5B1-8480ED1DDB2A}" destId="{A9201E25-0DAB-40CE-AD88-F4CDBC772C1D}" srcOrd="0" destOrd="0" presId="urn:microsoft.com/office/officeart/2005/8/layout/radial5"/>
+    <dgm:cxn modelId="{D1423F56-2902-4D19-BFD9-818B832C9F8B}" srcId="{DEB6508C-F810-446B-AEC7-DBFCC310E5A2}" destId="{D08C6EE0-3280-4569-BED7-D68481DFFA9F}" srcOrd="4" destOrd="0" parTransId="{C061CBEA-4ECA-4F36-B2F0-00AE34004EF0}" sibTransId="{64B0B153-B133-4C6E-8F97-0668D2F4636E}"/>
+    <dgm:cxn modelId="{0884DEC8-8E85-4D67-97A6-EE6025CFABCF}" type="presOf" srcId="{D08C6EE0-3280-4569-BED7-D68481DFFA9F}" destId="{05C6F5E8-2425-41E3-B14A-94919D37EA16}" srcOrd="0" destOrd="0" presId="urn:microsoft.com/office/officeart/2005/8/layout/radial5"/>
+    <dgm:cxn modelId="{9E9A3DA7-822A-4F97-8BA2-95FDDDB78008}" srcId="{DEB6508C-F810-446B-AEC7-DBFCC310E5A2}" destId="{E203AA18-4A7E-40C8-888E-28F2D2884EF1}" srcOrd="3" destOrd="0" parTransId="{82FB91F4-3C81-4009-9D57-9E63A7B797E9}" sibTransId="{6444EC86-6DD6-4F5E-A447-278F446F1CAA}"/>
+    <dgm:cxn modelId="{832EBB50-7146-48BA-8182-5DBFBC799A82}" type="presOf" srcId="{F3BF0073-06CF-4CF4-AFCD-F2E6DA353C4A}" destId="{839E5024-2DA9-4567-B16C-4C8A7F09EAC8}" srcOrd="0" destOrd="0" presId="urn:microsoft.com/office/officeart/2005/8/layout/radial5"/>
+    <dgm:cxn modelId="{805FF511-9E83-40CE-9F90-67DC19E587A9}" type="presOf" srcId="{A7EA6E3C-AEED-4F9B-B5B1-8480ED1DDB2A}" destId="{8DEA3162-77F7-4E73-A802-8F6F230F8D42}" srcOrd="1" destOrd="0" presId="urn:microsoft.com/office/officeart/2005/8/layout/radial5"/>
+    <dgm:cxn modelId="{EDA36980-F0A9-4CC5-B40F-D5AAC5B7DC83}" type="presOf" srcId="{DB6A8778-DB56-40AA-BE38-1A1D465E1207}" destId="{A8ECFFE9-54BA-4135-ADD0-6F181D7BD730}" srcOrd="1" destOrd="0" presId="urn:microsoft.com/office/officeart/2005/8/layout/radial5"/>
+    <dgm:cxn modelId="{0F7B296A-0868-4D2B-83DC-CAD528AEEA29}" srcId="{DEB6508C-F810-446B-AEC7-DBFCC310E5A2}" destId="{1E69508E-8FF7-4291-AD77-40F112AE7D06}" srcOrd="0" destOrd="0" parTransId="{DB6A8778-DB56-40AA-BE38-1A1D465E1207}" sibTransId="{FCBBDE5E-E3EC-4C0D-AEE9-BE457F975FE4}"/>
+    <dgm:cxn modelId="{81227F8F-E4C9-43AB-A7BB-7495AB07FBF7}" type="presOf" srcId="{82FB91F4-3C81-4009-9D57-9E63A7B797E9}" destId="{7AB25106-425B-4243-8A08-E9411CD4A0F1}" srcOrd="0" destOrd="0" presId="urn:microsoft.com/office/officeart/2005/8/layout/radial5"/>
+    <dgm:cxn modelId="{0D2A4528-CC14-417F-A34A-404E56EC65FE}" type="presOf" srcId="{F1ED898F-060D-4A79-AC03-A4B6A186A83B}" destId="{1B770880-0531-4886-97C6-84B229853BA7}" srcOrd="1" destOrd="0" presId="urn:microsoft.com/office/officeart/2005/8/layout/radial5"/>
+    <dgm:cxn modelId="{046BE92D-F1DB-4A0C-B679-B0874E542E90}" type="presOf" srcId="{C53361F6-5753-4B95-A97E-49EABD4E444B}" destId="{F2112158-46E9-4237-9F82-6BFC8B5C9F98}" srcOrd="0" destOrd="0" presId="urn:microsoft.com/office/officeart/2005/8/layout/radial5"/>
+    <dgm:cxn modelId="{48C3E284-010D-46AD-8FDC-61E73F192BF3}" type="presOf" srcId="{C061CBEA-4ECA-4F36-B2F0-00AE34004EF0}" destId="{A95717F8-93AA-4336-AEC3-E39AB5480945}" srcOrd="0" destOrd="0" presId="urn:microsoft.com/office/officeart/2005/8/layout/radial5"/>
+    <dgm:cxn modelId="{05281F73-6374-44EE-B7D7-A8684DCA4197}" type="presOf" srcId="{44B1E349-2CC7-47E3-A430-4B5124E4C00F}" destId="{B6FE1EFC-E0B4-4CC4-9FF2-9757FBA4756B}" srcOrd="0" destOrd="0" presId="urn:microsoft.com/office/officeart/2005/8/layout/radial5"/>
+    <dgm:cxn modelId="{53FE052A-BF36-459C-9AED-452B9442265E}" srcId="{DEB6508C-F810-446B-AEC7-DBFCC310E5A2}" destId="{9B63D8FD-70AB-4D67-B1A3-A0A55A198169}" srcOrd="5" destOrd="0" parTransId="{A7EA6E3C-AEED-4F9B-B5B1-8480ED1DDB2A}" sibTransId="{59D75C27-963E-452E-9454-B36B0B31C6D6}"/>
+    <dgm:cxn modelId="{54AAFCAE-A795-48ED-A8B4-2AF1ED94DB3F}" srcId="{DEB6508C-F810-446B-AEC7-DBFCC310E5A2}" destId="{F3BF0073-06CF-4CF4-AFCD-F2E6DA353C4A}" srcOrd="2" destOrd="0" parTransId="{F1ED898F-060D-4A79-AC03-A4B6A186A83B}" sibTransId="{FE7D1EE6-2F31-4782-A1D6-AFDB93A68575}"/>
+    <dgm:cxn modelId="{24DB3B62-87D8-4188-BEFC-020003DEF8A6}" srcId="{44B1E349-2CC7-47E3-A430-4B5124E4C00F}" destId="{DEB6508C-F810-446B-AEC7-DBFCC310E5A2}" srcOrd="0" destOrd="0" parTransId="{4F3D5D73-AAA4-4AD3-B7C2-CAF999A4E018}" sibTransId="{B1FAEBA7-E5BC-4D45-A361-359E95D9164D}"/>
+    <dgm:cxn modelId="{FF4BD56C-1395-45DE-9502-50994148E149}" type="presOf" srcId="{E203AA18-4A7E-40C8-888E-28F2D2884EF1}" destId="{4BACEA01-3D60-4B4D-8DAE-F155FE668452}" srcOrd="0" destOrd="0" presId="urn:microsoft.com/office/officeart/2005/8/layout/radial5"/>
+    <dgm:cxn modelId="{C93EA0ED-6D96-4AE2-9617-EABF3875A881}" type="presOf" srcId="{82FB91F4-3C81-4009-9D57-9E63A7B797E9}" destId="{0665388C-9A8C-44C8-9969-8C90C8A63935}" srcOrd="1" destOrd="0" presId="urn:microsoft.com/office/officeart/2005/8/layout/radial5"/>
+    <dgm:cxn modelId="{27D72985-268C-4426-9297-CDFAE9705605}" type="presOf" srcId="{DB6A8778-DB56-40AA-BE38-1A1D465E1207}" destId="{B8367017-D7A0-4FC5-97AF-97456E26D9B2}" srcOrd="0" destOrd="0" presId="urn:microsoft.com/office/officeart/2005/8/layout/radial5"/>
+    <dgm:cxn modelId="{6EC9E463-5411-43A8-9431-63F6D934CCE9}" type="presOf" srcId="{C061CBEA-4ECA-4F36-B2F0-00AE34004EF0}" destId="{B0A5B54D-8EF6-4D78-B9CE-878C1951DD5D}" srcOrd="1" destOrd="0" presId="urn:microsoft.com/office/officeart/2005/8/layout/radial5"/>
+    <dgm:cxn modelId="{269B5B2C-609B-4DD4-9D01-BEB7B5E9B48F}" type="presOf" srcId="{C53361F6-5753-4B95-A97E-49EABD4E444B}" destId="{BD44B44C-A0E7-453E-A54F-1F35A8148768}" srcOrd="1" destOrd="0" presId="urn:microsoft.com/office/officeart/2005/8/layout/radial5"/>
+    <dgm:cxn modelId="{76B7F6E9-5035-4076-88BE-4AB60A6B1A2F}" type="presParOf" srcId="{B6FE1EFC-E0B4-4CC4-9FF2-9757FBA4756B}" destId="{AF6C8E85-8055-4F80-A4CE-4BF05EB616CD}" srcOrd="0" destOrd="0" presId="urn:microsoft.com/office/officeart/2005/8/layout/radial5"/>
+    <dgm:cxn modelId="{203E3C41-39B4-4A2D-9444-5D3C624A0E80}" type="presParOf" srcId="{B6FE1EFC-E0B4-4CC4-9FF2-9757FBA4756B}" destId="{B8367017-D7A0-4FC5-97AF-97456E26D9B2}" srcOrd="1" destOrd="0" presId="urn:microsoft.com/office/officeart/2005/8/layout/radial5"/>
+    <dgm:cxn modelId="{72FF763D-1BC2-43EE-865A-27C68FFBA726}" type="presParOf" srcId="{B8367017-D7A0-4FC5-97AF-97456E26D9B2}" destId="{A8ECFFE9-54BA-4135-ADD0-6F181D7BD730}" srcOrd="0" destOrd="0" presId="urn:microsoft.com/office/officeart/2005/8/layout/radial5"/>
+    <dgm:cxn modelId="{B211E24D-5307-441E-BDEE-76357042416E}" type="presParOf" srcId="{B6FE1EFC-E0B4-4CC4-9FF2-9757FBA4756B}" destId="{D80817BE-B7A8-4E36-8B98-0D2596ABE646}" srcOrd="2" destOrd="0" presId="urn:microsoft.com/office/officeart/2005/8/layout/radial5"/>
+    <dgm:cxn modelId="{297A4C71-8459-46C6-9EC5-334E193AA8EB}" type="presParOf" srcId="{B6FE1EFC-E0B4-4CC4-9FF2-9757FBA4756B}" destId="{F2112158-46E9-4237-9F82-6BFC8B5C9F98}" srcOrd="3" destOrd="0" presId="urn:microsoft.com/office/officeart/2005/8/layout/radial5"/>
+    <dgm:cxn modelId="{6BC0014C-1700-4ABE-960B-1F3D0A2B45C0}" type="presParOf" srcId="{F2112158-46E9-4237-9F82-6BFC8B5C9F98}" destId="{BD44B44C-A0E7-453E-A54F-1F35A8148768}" srcOrd="0" destOrd="0" presId="urn:microsoft.com/office/officeart/2005/8/layout/radial5"/>
+    <dgm:cxn modelId="{4342AB07-C508-4EBA-BB32-A711637B7CDA}" type="presParOf" srcId="{B6FE1EFC-E0B4-4CC4-9FF2-9757FBA4756B}" destId="{D3543C47-3923-4ED4-BC49-6DE6C90E65AC}" srcOrd="4" destOrd="0" presId="urn:microsoft.com/office/officeart/2005/8/layout/radial5"/>
+    <dgm:cxn modelId="{F9993B45-5B23-4D0D-8CFB-8C0E176B872A}" type="presParOf" srcId="{B6FE1EFC-E0B4-4CC4-9FF2-9757FBA4756B}" destId="{FD68F461-995E-44A6-9425-FF0560A0735A}" srcOrd="5" destOrd="0" presId="urn:microsoft.com/office/officeart/2005/8/layout/radial5"/>
+    <dgm:cxn modelId="{52F5AFD3-E737-4309-BE0C-483C66127D78}" type="presParOf" srcId="{FD68F461-995E-44A6-9425-FF0560A0735A}" destId="{1B770880-0531-4886-97C6-84B229853BA7}" srcOrd="0" destOrd="0" presId="urn:microsoft.com/office/officeart/2005/8/layout/radial5"/>
+    <dgm:cxn modelId="{9BF420B1-BB37-4DF0-AE58-447347EF1C40}" type="presParOf" srcId="{B6FE1EFC-E0B4-4CC4-9FF2-9757FBA4756B}" destId="{839E5024-2DA9-4567-B16C-4C8A7F09EAC8}" srcOrd="6" destOrd="0" presId="urn:microsoft.com/office/officeart/2005/8/layout/radial5"/>
+    <dgm:cxn modelId="{F42987C2-850D-43DB-9939-0D36E5931B0F}" type="presParOf" srcId="{B6FE1EFC-E0B4-4CC4-9FF2-9757FBA4756B}" destId="{7AB25106-425B-4243-8A08-E9411CD4A0F1}" srcOrd="7" destOrd="0" presId="urn:microsoft.com/office/officeart/2005/8/layout/radial5"/>
+    <dgm:cxn modelId="{9A13B443-CCFC-418E-BEF3-6B48C8E8028F}" type="presParOf" srcId="{7AB25106-425B-4243-8A08-E9411CD4A0F1}" destId="{0665388C-9A8C-44C8-9969-8C90C8A63935}" srcOrd="0" destOrd="0" presId="urn:microsoft.com/office/officeart/2005/8/layout/radial5"/>
+    <dgm:cxn modelId="{AD674DF5-EE87-42FB-B044-34D1E20F1C9B}" type="presParOf" srcId="{B6FE1EFC-E0B4-4CC4-9FF2-9757FBA4756B}" destId="{4BACEA01-3D60-4B4D-8DAE-F155FE668452}" srcOrd="8" destOrd="0" presId="urn:microsoft.com/office/officeart/2005/8/layout/radial5"/>
+    <dgm:cxn modelId="{B217DF86-5A73-4A9C-8D9E-307350678B15}" type="presParOf" srcId="{B6FE1EFC-E0B4-4CC4-9FF2-9757FBA4756B}" destId="{A95717F8-93AA-4336-AEC3-E39AB5480945}" srcOrd="9" destOrd="0" presId="urn:microsoft.com/office/officeart/2005/8/layout/radial5"/>
+    <dgm:cxn modelId="{2E7AFB94-3CA5-4271-8E0B-550BFE03336C}" type="presParOf" srcId="{A95717F8-93AA-4336-AEC3-E39AB5480945}" destId="{B0A5B54D-8EF6-4D78-B9CE-878C1951DD5D}" srcOrd="0" destOrd="0" presId="urn:microsoft.com/office/officeart/2005/8/layout/radial5"/>
+    <dgm:cxn modelId="{8D0765C3-5C5B-44EA-8111-010F7331D5F0}" type="presParOf" srcId="{B6FE1EFC-E0B4-4CC4-9FF2-9757FBA4756B}" destId="{05C6F5E8-2425-41E3-B14A-94919D37EA16}" srcOrd="10" destOrd="0" presId="urn:microsoft.com/office/officeart/2005/8/layout/radial5"/>
+    <dgm:cxn modelId="{6AC55C7D-590D-45D8-9010-E09CE9B06E8D}" type="presParOf" srcId="{B6FE1EFC-E0B4-4CC4-9FF2-9757FBA4756B}" destId="{A9201E25-0DAB-40CE-AD88-F4CDBC772C1D}" srcOrd="11" destOrd="0" presId="urn:microsoft.com/office/officeart/2005/8/layout/radial5"/>
+    <dgm:cxn modelId="{897CFA40-B916-49B4-97EC-7DE6F7AD1C5E}" type="presParOf" srcId="{A9201E25-0DAB-40CE-AD88-F4CDBC772C1D}" destId="{8DEA3162-77F7-4E73-A802-8F6F230F8D42}" srcOrd="0" destOrd="0" presId="urn:microsoft.com/office/officeart/2005/8/layout/radial5"/>
+    <dgm:cxn modelId="{6253AA3F-71F1-49FB-A1A7-9A196CFA5433}" type="presParOf" srcId="{B6FE1EFC-E0B4-4CC4-9FF2-9757FBA4756B}" destId="{67FEC21F-B7E8-4395-B780-E54C1E4E8C96}" srcOrd="12" destOrd="0" presId="urn:microsoft.com/office/officeart/2005/8/layout/radial5"/>
+  </dgm:cxnLst>
+  <dgm:bg/>
+  <dgm:whole/>
+</dgm:dataModel>
+</file>
+
+<file path=ppt/diagrams/layout1.xml><?xml version="1.0" encoding="utf-8"?>
+<dgm:layoutDef xmlns:dgm="http://schemas.openxmlformats.org/drawingml/2006/diagram" xmlns:a="http://schemas.openxmlformats.org/drawingml/2006/main" uniqueId="urn:microsoft.com/office/officeart/2005/8/layout/radial5">
+  <dgm:title val=""/>
+  <dgm:desc val=""/>
+  <dgm:catLst>
+    <dgm:cat type="relationship" pri="23000"/>
+    <dgm:cat type="cycle" pri="11000"/>
+  </dgm:catLst>
+  <dgm:sampData>
+    <dgm:dataModel>
+      <dgm:ptLst>
+        <dgm:pt modelId="0" type="doc"/>
+        <dgm:pt modelId="1">
+          <dgm:prSet phldr="1"/>
+        </dgm:pt>
+        <dgm:pt modelId="11">
+          <dgm:prSet phldr="1"/>
+        </dgm:pt>
+        <dgm:pt modelId="12">
+          <dgm:prSet phldr="1"/>
+        </dgm:pt>
+        <dgm:pt modelId="13">
+          <dgm:prSet phldr="1"/>
+        </dgm:pt>
+        <dgm:pt modelId="14">
+          <dgm:prSet phldr="1"/>
+        </dgm:pt>
+      </dgm:ptLst>
+      <dgm:cxnLst>
+        <dgm:cxn modelId="2" srcId="0" destId="1" srcOrd="0" destOrd="0"/>
+        <dgm:cxn modelId="3" srcId="1" destId="11" srcOrd="0" destOrd="0"/>
+        <dgm:cxn modelId="4" srcId="1" destId="12" srcOrd="1" destOrd="0"/>
+        <dgm:cxn modelId="5" srcId="1" destId="13" srcOrd="2" destOrd="0"/>
+        <dgm:cxn modelId="6" srcId="1" destId="14" srcOrd="3" destOrd="0"/>
+      </dgm:cxnLst>
+      <dgm:bg/>
+      <dgm:whole/>
+    </dgm:dataModel>
+  </dgm:sampData>
+  <dgm:styleData>
+    <dgm:dataModel>
+      <dgm:ptLst>
+        <dgm:pt modelId="0" type="doc"/>
+        <dgm:pt modelId="1"/>
+        <dgm:pt modelId="11"/>
+        <dgm:pt modelId="12"/>
+        <dgm:pt modelId="13"/>
+      </dgm:ptLst>
+      <dgm:cxnLst>
+        <dgm:cxn modelId="2" srcId="0" destId="1" srcOrd="0" destOrd="0"/>
+        <dgm:cxn modelId="15" srcId="1" destId="11" srcOrd="0" destOrd="0"/>
+        <dgm:cxn modelId="16" srcId="1" destId="12" srcOrd="1" destOrd="0"/>
+        <dgm:cxn modelId="17" srcId="1" destId="13" srcOrd="2" destOrd="0"/>
+      </dgm:cxnLst>
+      <dgm:bg/>
+      <dgm:whole/>
+    </dgm:dataModel>
+  </dgm:styleData>
+  <dgm:clrData>
+    <dgm:dataModel>
+      <dgm:ptLst>
+        <dgm:pt modelId="0" type="doc"/>
+        <dgm:pt modelId="1"/>
+        <dgm:pt modelId="11"/>
+        <dgm:pt modelId="12"/>
+        <dgm:pt modelId="13"/>
+        <dgm:pt modelId="14"/>
+        <dgm:pt modelId="15"/>
+        <dgm:pt modelId="16"/>
+      </dgm:ptLst>
+      <dgm:cxnLst>
+        <dgm:cxn modelId="2" srcId="0" destId="1" srcOrd="0" destOrd="0"/>
+        <dgm:cxn modelId="16" srcId="1" destId="11" srcOrd="0" destOrd="0"/>
+        <dgm:cxn modelId="17" srcId="1" destId="12" srcOrd="1" destOrd="0"/>
+        <dgm:cxn modelId="18" srcId="1" destId="13" srcOrd="2" destOrd="0"/>
+        <dgm:cxn modelId="19" srcId="1" destId="14" srcOrd="3" destOrd="0"/>
+        <dgm:cxn modelId="20" srcId="1" destId="15" srcOrd="4" destOrd="0"/>
+        <dgm:cxn modelId="21" srcId="1" destId="16" srcOrd="5" destOrd="0"/>
+      </dgm:cxnLst>
+      <dgm:bg/>
+      <dgm:whole/>
+    </dgm:dataModel>
+  </dgm:clrData>
+  <dgm:layoutNode name="Name0">
+    <dgm:varLst>
+      <dgm:chMax val="1"/>
+      <dgm:dir/>
+      <dgm:animLvl val="ctr"/>
+      <dgm:resizeHandles val="exact"/>
+    </dgm:varLst>
+    <dgm:choose name="Name1">
+      <dgm:if name="Name2" func="var" arg="dir" op="equ" val="norm">
+        <dgm:alg type="cycle">
+          <dgm:param type="stAng" val="0"/>
+          <dgm:param type="spanAng" val="360"/>
+          <dgm:param type="ctrShpMap" val="fNode"/>
+        </dgm:alg>
+      </dgm:if>
+      <dgm:else name="Name3">
+        <dgm:alg type="cycle">
+          <dgm:param type="stAng" val="0"/>
+          <dgm:param type="spanAng" val="-360"/>
+          <dgm:param type="ctrShpMap" val="fNode"/>
+        </dgm:alg>
+      </dgm:else>
+    </dgm:choose>
+    <dgm:shape xmlns:r="http://schemas.openxmlformats.org/officeDocument/2006/relationships" r:blip="">
+      <dgm:adjLst/>
+    </dgm:shape>
+    <dgm:presOf/>
+    <dgm:constrLst>
+      <dgm:constr type="w" for="ch" forName="centerShape" refType="w"/>
+      <dgm:constr type="w" for="ch" forName="parTrans" refType="w" refFor="ch" refForName="centerShape" fact="0.4"/>
+      <dgm:constr type="w" for="ch" forName="node" refType="w" refFor="ch" refForName="centerShape" op="equ" fact="1.25"/>
+      <dgm:constr type="sp" refType="w" refFor="ch" refForName="centerShape" op="equ" fact="0.4"/>
+      <dgm:constr type="sibSp" refType="w" refFor="ch" refForName="node" fact="0.3"/>
+      <dgm:constr type="primFontSz" for="ch" forName="centerShape" val="65"/>
+      <dgm:constr type="primFontSz" for="des" forName="node" op="equ" val="65"/>
+      <dgm:constr type="primFontSz" for="des" forName="node" refType="primFontSz" refFor="ch" refForName="centerShape" op="lte"/>
+      <dgm:constr type="primFontSz" for="des" forName="connectorText" op="equ" val="55"/>
+      <dgm:constr type="primFontSz" for="des" forName="connectorText" refType="primFontSz" refFor="ch" refForName="centerShape" op="lte" fact="0.8"/>
+      <dgm:constr type="primFontSz" for="des" forName="connectorText" refType="primFontSz" refFor="des" refForName="node" op="lte"/>
+    </dgm:constrLst>
+    <dgm:choose name="Name4">
+      <dgm:if name="Name5" axis="ch ch" ptType="node node" st="1 1" cnt="1 0" func="cnt" op="lte" val="6">
+        <dgm:ruleLst>
+          <dgm:rule type="w" for="ch" forName="node" val="NaN" fact="1" max="NaN"/>
+        </dgm:ruleLst>
+      </dgm:if>
+      <dgm:if name="Name6" axis="ch ch" ptType="node node" st="1 1" cnt="1 0" func="cnt" op="lte" val="8">
+        <dgm:ruleLst>
+          <dgm:rule type="w" for="ch" forName="node" val="NaN" fact="0.9" max="NaN"/>
+        </dgm:ruleLst>
+      </dgm:if>
+      <dgm:if name="Name7" axis="ch ch" ptType="node node" st="1 1" cnt="1 0" func="cnt" op="lte" val="10">
+        <dgm:ruleLst>
+          <dgm:rule type="w" for="ch" forName="node" val="NaN" fact="0.8" max="NaN"/>
+        </dgm:ruleLst>
+      </dgm:if>
+      <dgm:if name="Name8" axis="ch ch" ptType="node node" st="1 1" cnt="1 0" func="cnt" op="lte" val="12">
+        <dgm:ruleLst>
+          <dgm:rule type="w" for="ch" forName="node" val="NaN" fact="0.7" max="NaN"/>
+        </dgm:ruleLst>
+      </dgm:if>
+      <dgm:if name="Name9" axis="ch ch" ptType="node node" st="1 1" cnt="1 0" func="cnt" op="lte" val="14">
+        <dgm:ruleLst>
+          <dgm:rule type="w" for="ch" forName="node" val="NaN" fact="0.6" max="NaN"/>
+        </dgm:ruleLst>
+      </dgm:if>
+      <dgm:else name="Name10">
+        <dgm:ruleLst>
+          <dgm:rule type="w" for="ch" forName="node" val="NaN" fact="0.5" max="NaN"/>
+        </dgm:ruleLst>
+      </dgm:else>
+    </dgm:choose>
+    <dgm:forEach name="Name11" axis="ch" ptType="node" cnt="1">
+      <dgm:layoutNode name="centerShape" styleLbl="node0">
+        <dgm:alg type="tx"/>
+        <dgm:shape xmlns:r="http://schemas.openxmlformats.org/officeDocument/2006/relationships" type="ellipse" r:blip="">
+          <dgm:adjLst/>
+        </dgm:shape>
+        <dgm:presOf axis="self"/>
+        <dgm:constrLst>
+          <dgm:constr type="h" refType="w"/>
+          <dgm:constr type="tMarg" refType="primFontSz" fact="0.1"/>
+          <dgm:constr type="bMarg" refType="primFontSz" fact="0.1"/>
+          <dgm:constr type="lMarg" refType="primFontSz" fact="0.1"/>
+          <dgm:constr type="rMarg" refType="primFontSz" fact="0.1"/>
+        </dgm:constrLst>
+        <dgm:ruleLst>
+          <dgm:rule type="primFontSz" val="5" fact="NaN" max="NaN"/>
+        </dgm:ruleLst>
+      </dgm:layoutNode>
+      <dgm:forEach name="Name12" axis="ch">
+        <dgm:forEach name="Name13" axis="self" ptType="parTrans">
+          <dgm:layoutNode name="parTrans" styleLbl="sibTrans2D1">
+            <dgm:alg type="conn">
+              <dgm:param type="begPts" val="auto"/>
+              <dgm:param type="endPts" val="auto"/>
+            </dgm:alg>
+            <dgm:shape xmlns:r="http://schemas.openxmlformats.org/officeDocument/2006/relationships" type="conn" r:blip="">
+              <dgm:adjLst/>
+            </dgm:shape>
+            <dgm:presOf axis="self"/>
+            <dgm:constrLst>
+              <dgm:constr type="h" refType="w" fact="0.85"/>
+            </dgm:constrLst>
+            <dgm:ruleLst/>
+            <dgm:layoutNode name="connectorText">
+              <dgm:alg type="tx">
+                <dgm:param type="autoTxRot" val="grav"/>
+              </dgm:alg>
+              <dgm:shape xmlns:r="http://schemas.openxmlformats.org/officeDocument/2006/relationships" type="conn" r:blip="" hideGeom="1">
+                <dgm:adjLst/>
+              </dgm:shape>
+              <dgm:presOf axis="self"/>
+              <dgm:constrLst>
+                <dgm:constr type="lMarg"/>
+                <dgm:constr type="rMarg"/>
+                <dgm:constr type="tMarg"/>
+                <dgm:constr type="bMarg"/>
+              </dgm:constrLst>
+              <dgm:ruleLst>
+                <dgm:rule type="primFontSz" val="5" fact="NaN" max="NaN"/>
+              </dgm:ruleLst>
+            </dgm:layoutNode>
+          </dgm:layoutNode>
+        </dgm:forEach>
+        <dgm:forEach name="Name14" axis="self" ptType="node">
+          <dgm:layoutNode name="node" styleLbl="node1">
+            <dgm:varLst>
+              <dgm:bulletEnabled val="1"/>
+            </dgm:varLst>
+            <dgm:alg type="tx">
+              <dgm:param type="txAnchorVertCh" val="mid"/>
+            </dgm:alg>
+            <dgm:shape xmlns:r="http://schemas.openxmlformats.org/officeDocument/2006/relationships" type="ellipse" r:blip="">
+              <dgm:adjLst/>
+            </dgm:shape>
+            <dgm:presOf axis="desOrSelf" ptType="node"/>
+            <dgm:constrLst>
+              <dgm:constr type="h" refType="w"/>
+              <dgm:constr type="tMarg" refType="primFontSz" fact="0.1"/>
+              <dgm:constr type="bMarg" refType="primFontSz" fact="0.1"/>
+              <dgm:constr type="lMarg" refType="primFontSz" fact="0.1"/>
+              <dgm:constr type="rMarg" refType="primFontSz" fact="0.1"/>
+            </dgm:constrLst>
+            <dgm:ruleLst>
+              <dgm:rule type="w" val="INF" fact="NaN" max="NaN"/>
+              <dgm:rule type="primFontSz" val="5" fact="NaN" max="NaN"/>
+            </dgm:ruleLst>
+          </dgm:layoutNode>
+        </dgm:forEach>
+      </dgm:forEach>
+    </dgm:forEach>
+  </dgm:layoutNode>
+</dgm:layoutDef>
+</file>
+
+<file path=ppt/diagrams/quickStyle1.xml><?xml version="1.0" encoding="utf-8"?>
+<dgm:styleDef xmlns:dgm="http://schemas.openxmlformats.org/drawingml/2006/diagram" xmlns:a="http://schemas.openxmlformats.org/drawingml/2006/main" uniqueId="urn:microsoft.com/office/officeart/2005/8/quickstyle/simple1">
+  <dgm:title val=""/>
+  <dgm:desc val=""/>
+  <dgm:catLst>
+    <dgm:cat type="simple" pri="10100"/>
+  </dgm:catLst>
+  <dgm:scene3d>
+    <a:camera prst="orthographicFront"/>
+    <a:lightRig rig="threePt" dir="t"/>
+  </dgm:scene3d>
+  <dgm:styleLbl name="node0">
+    <dgm:scene3d>
+      <a:camera prst="orthographicFront"/>
+      <a:lightRig rig="threePt" dir="t"/>
+    </dgm:scene3d>
+    <dgm:sp3d/>
+    <dgm:txPr/>
+    <dgm:style>
+      <a:lnRef idx="2">
+        <a:scrgbClr r="0" g="0" b="0"/>
+      </a:lnRef>
+      <a:fillRef idx="1">
+        <a:scrgbClr r="0" g="0" b="0"/>
+      </a:fillRef>
+      <a:effectRef idx="0">
+        <a:scrgbClr r="0" g="0" b="0"/>
+      </a:effectRef>
+      <a:fontRef idx="minor">
+        <a:schemeClr val="lt1"/>
+      </a:fontRef>
+    </dgm:style>
+  </dgm:styleLbl>
+  <dgm:styleLbl name="lnNode1">
+    <dgm:scene3d>
+      <a:camera prst="orthographicFront"/>
+      <a:lightRig rig="threePt" dir="t"/>
+    </dgm:scene3d>
+    <dgm:sp3d/>
+    <dgm:txPr/>
+    <dgm:style>
+      <a:lnRef idx="2">
+        <a:scrgbClr r="0" g="0" b="0"/>
+      </a:lnRef>
+      <a:fillRef idx="1">
+        <a:scrgbClr r="0" g="0" b="0"/>
+      </a:fillRef>
+      <a:effectRef idx="0">
+        <a:scrgbClr r="0" g="0" b="0"/>
+      </a:effectRef>
+      <a:fontRef idx="minor">
+        <a:schemeClr val="lt1"/>
+      </a:fontRef>
+    </dgm:style>
+  </dgm:styleLbl>
+  <dgm:styleLbl name="vennNode1">
+    <dgm:scene3d>
+      <a:camera prst="orthographicFront"/>
+      <a:lightRig rig="threePt" dir="t"/>
+    </dgm:scene3d>
+    <dgm:sp3d/>
+    <dgm:txPr/>
+    <dgm:style>
+      <a:lnRef idx="2">
+        <a:scrgbClr r="0" g="0" b="0"/>
+      </a:lnRef>
+      <a:fillRef idx="1">
+        <a:scrgbClr r="0" g="0" b="0"/>
+      </a:fillRef>
+      <a:effectRef idx="0">
+        <a:scrgbClr r="0" g="0" b="0"/>
+      </a:effectRef>
+      <a:fontRef idx="minor">
+        <a:schemeClr val="tx1"/>
+      </a:fontRef>
+    </dgm:style>
+  </dgm:styleLbl>
+  <dgm:styleLbl name="alignNode1">
+    <dgm:scene3d>
+      <a:camera prst="orthographicFront"/>
+      <a:lightRig rig="threePt" dir="t"/>
+    </dgm:scene3d>
+    <dgm:sp3d/>
+    <dgm:txPr/>
+    <dgm:style>
+      <a:lnRef idx="2">
+        <a:scrgbClr r="0" g="0" b="0"/>
+      </a:lnRef>
+      <a:fillRef idx="1">
+        <a:scrgbClr r="0" g="0" b="0"/>
+      </a:fillRef>
+      <a:effectRef idx="0">
+        <a:scrgbClr r="0" g="0" b="0"/>
+      </a:effectRef>
+      <a:fontRef idx="minor">
+        <a:schemeClr val="lt1"/>
+      </a:fontRef>
+    </dgm:style>
+  </dgm:styleLbl>
+  <dgm:styleLbl name="node1">
+    <dgm:scene3d>
+      <a:camera prst="orthographicFront"/>
+      <a:lightRig rig="threePt" dir="t"/>
+    </dgm:scene3d>
+    <dgm:sp3d/>
+    <dgm:txPr/>
+    <dgm:style>
+      <a:lnRef idx="2">
+        <a:scrgbClr r="0" g="0" b="0"/>
+      </a:lnRef>
+      <a:fillRef idx="1">
+        <a:scrgbClr r="0" g="0" b="0"/>
+      </a:fillRef>
+      <a:effectRef idx="0">
+        <a:scrgbClr r="0" g="0" b="0"/>
+      </a:effectRef>
+      <a:fontRef idx="minor">
+        <a:schemeClr val="lt1"/>
+      </a:fontRef>
+    </dgm:style>
+  </dgm:styleLbl>
+  <dgm:styleLbl name="node2">
+    <dgm:scene3d>
+      <a:camera prst="orthographicFront"/>
+      <a:lightRig rig="threePt" dir="t"/>
+    </dgm:scene3d>
+    <dgm:sp3d/>
+    <dgm:txPr/>
+    <dgm:style>
+      <a:lnRef idx="2">
+        <a:scrgbClr r="0" g="0" b="0"/>
+      </a:lnRef>
+      <a:fillRef idx="1">
+        <a:scrgbClr r="0" g="0" b="0"/>
+      </a:fillRef>
+      <a:effectRef idx="0">
+        <a:scrgbClr r="0" g="0" b="0"/>
+      </a:effectRef>
+      <a:fontRef idx="minor">
+        <a:schemeClr val="lt1"/>
+      </a:fontRef>
+    </dgm:style>
+  </dgm:styleLbl>
+  <dgm:styleLbl name="node3">
+    <dgm:scene3d>
+      <a:camera prst="orthographicFront"/>
+      <a:lightRig rig="threePt" dir="t"/>
+    </dgm:scene3d>
+    <dgm:sp3d/>
+    <dgm:txPr/>
+    <dgm:style>
+      <a:lnRef idx="2">
+        <a:scrgbClr r="0" g="0" b="0"/>
+      </a:lnRef>
+      <a:fillRef idx="1">
+        <a:scrgbClr r="0" g="0" b="0"/>
+      </a:fillRef>
+      <a:effectRef idx="0">
+        <a:scrgbClr r="0" g="0" b="0"/>
+      </a:effectRef>
+      <a:fontRef idx="minor">
+        <a:schemeClr val="lt1"/>
+      </a:fontRef>
+    </dgm:style>
+  </dgm:styleLbl>
+  <dgm:styleLbl name="node4">
+    <dgm:scene3d>
+      <a:camera prst="orthographicFront"/>
+      <a:lightRig rig="threePt" dir="t"/>
+    </dgm:scene3d>
+    <dgm:sp3d/>
+    <dgm:txPr/>
+    <dgm:style>
+      <a:lnRef idx="2">
+        <a:scrgbClr r="0" g="0" b="0"/>
+      </a:lnRef>
+      <a:fillRef idx="1">
+        <a:scrgbClr r="0" g="0" b="0"/>
+      </a:fillRef>
+      <a:effectRef idx="0">
+        <a:scrgbClr r="0" g="0" b="0"/>
+      </a:effectRef>
+      <a:fontRef idx="minor">
+        <a:schemeClr val="lt1"/>
+      </a:fontRef>
+    </dgm:style>
+  </dgm:styleLbl>
+  <dgm:styleLbl name="fgImgPlace1">
+    <dgm:scene3d>
+      <a:camera prst="orthographicFront"/>
+      <a:lightRig rig="threePt" dir="t"/>
+    </dgm:scene3d>
+    <dgm:sp3d/>
+    <dgm:txPr/>
+    <dgm:style>
+      <a:lnRef idx="2">
+        <a:scrgbClr r="0" g="0" b="0"/>
+      </a:lnRef>
+      <a:fillRef idx="1">
+        <a:scrgbClr r="0" g="0" b="0"/>
+      </a:fillRef>
+      <a:effectRef idx="0">
+        <a:scrgbClr r="0" g="0" b="0"/>
+      </a:effectRef>
+      <a:fontRef idx="minor"/>
+    </dgm:style>
+  </dgm:styleLbl>
+  <dgm:styleLbl name="alignImgPlace1">
+    <dgm:scene3d>
+      <a:camera prst="orthographicFront"/>
+      <a:lightRig rig="threePt" dir="t"/>
+    </dgm:scene3d>
+    <dgm:sp3d/>
+    <dgm:txPr/>
+    <dgm:style>
+      <a:lnRef idx="2">
+        <a:scrgbClr r="0" g="0" b="0"/>
+      </a:lnRef>
+      <a:fillRef idx="1">
+        <a:scrgbClr r="0" g="0" b="0"/>
+      </a:fillRef>
+      <a:effectRef idx="0">
+        <a:scrgbClr r="0" g="0" b="0"/>
+      </a:effectRef>
+      <a:fontRef idx="minor"/>
+    </dgm:style>
+  </dgm:styleLbl>
+  <dgm:styleLbl name="bgImgPlace1">
+    <dgm:scene3d>
+      <a:camera prst="orthographicFront"/>
+      <a:lightRig rig="threePt" dir="t"/>
+    </dgm:scene3d>
+    <dgm:sp3d/>
+    <dgm:txPr/>
+    <dgm:style>
+      <a:lnRef idx="2">
+        <a:scrgbClr r="0" g="0" b="0"/>
+      </a:lnRef>
+      <a:fillRef idx="1">
+        <a:scrgbClr r="0" g="0" b="0"/>
+      </a:fillRef>
+      <a:effectRef idx="0">
+        <a:scrgbClr r="0" g="0" b="0"/>
+      </a:effectRef>
+      <a:fontRef idx="minor"/>
+    </dgm:style>
+  </dgm:styleLbl>
+  <dgm:styleLbl name="sibTrans2D1">
+    <dgm:scene3d>
+      <a:camera prst="orthographicFront"/>
+      <a:lightRig rig="threePt" dir="t"/>
+    </dgm:scene3d>
+    <dgm:sp3d/>
+    <dgm:txPr/>
+    <dgm:style>
+      <a:lnRef idx="0">
+        <a:scrgbClr r="0" g="0" b="0"/>
+      </a:lnRef>
+      <a:fillRef idx="1">
+        <a:scrgbClr r="0" g="0" b="0"/>
+      </a:fillRef>
+      <a:effectRef idx="0">
+        <a:scrgbClr r="0" g="0" b="0"/>
+      </a:effectRef>
+      <a:fontRef idx="minor">
+        <a:schemeClr val="lt1"/>
+      </a:fontRef>
+    </dgm:style>
+  </dgm:styleLbl>
+  <dgm:styleLbl name="fgSibTrans2D1">
+    <dgm:scene3d>
+      <a:camera prst="orthographicFront"/>
+      <a:lightRig rig="threePt" dir="t"/>
+    </dgm:scene3d>
+    <dgm:sp3d/>
+    <dgm:txPr/>
+    <dgm:style>
+      <a:lnRef idx="0">
+        <a:scrgbClr r="0" g="0" b="0"/>
+      </a:lnRef>
+      <a:fillRef idx="1">
+        <a:scrgbClr r="0" g="0" b="0"/>
+      </a:fillRef>
+      <a:effectRef idx="0">
+        <a:scrgbClr r="0" g="0" b="0"/>
+      </a:effectRef>
+      <a:fontRef idx="minor">
+        <a:schemeClr val="lt1"/>
+      </a:fontRef>
+    </dgm:style>
+  </dgm:styleLbl>
+  <dgm:styleLbl name="bgSibTrans2D1">
+    <dgm:scene3d>
+      <a:camera prst="orthographicFront"/>
+      <a:lightRig rig="threePt" dir="t"/>
+    </dgm:scene3d>
+    <dgm:sp3d/>
+    <dgm:txPr/>
+    <dgm:style>
+      <a:lnRef idx="0">
+        <a:scrgbClr r="0" g="0" b="0"/>
+      </a:lnRef>
+      <a:fillRef idx="1">
+        <a:scrgbClr r="0" g="0" b="0"/>
+      </a:fillRef>
+      <a:effectRef idx="0">
+        <a:scrgbClr r="0" g="0" b="0"/>
+      </a:effectRef>
+      <a:fontRef idx="minor">
+        <a:schemeClr val="lt1"/>
+      </a:fontRef>
+    </dgm:style>
+  </dgm:styleLbl>
+  <dgm:styleLbl name="sibTrans1D1">
+    <dgm:scene3d>
+      <a:camera prst="orthographicFront"/>
+      <a:lightRig rig="threePt" dir="t"/>
+    </dgm:scene3d>
+    <dgm:sp3d/>
+    <dgm:txPr/>
+    <dgm:style>
+      <a:lnRef idx="1">
+        <a:scrgbClr r="0" g="0" b="0"/>
+      </a:lnRef>
+      <a:fillRef idx="0">
+        <a:scrgbClr r="0" g="0" b="0"/>
+      </a:fillRef>
+      <a:effectRef idx="0">
+        <a:scrgbClr r="0" g="0" b="0"/>
+      </a:effectRef>
+      <a:fontRef idx="minor"/>
+    </dgm:style>
+  </dgm:styleLbl>
+  <dgm:styleLbl name="callout">
+    <dgm:scene3d>
+      <a:camera prst="orthographicFront"/>
+      <a:lightRig rig="threePt" dir="t"/>
+    </dgm:scene3d>
+    <dgm:sp3d/>
+    <dgm:txPr/>
+    <dgm:style>
+      <a:lnRef idx="2">
+        <a:scrgbClr r="0" g="0" b="0"/>
+      </a:lnRef>
+      <a:fillRef idx="1">
+        <a:scrgbClr r="0" g="0" b="0"/>
+      </a:fillRef>
+      <a:effectRef idx="0">
+        <a:scrgbClr r="0" g="0" b="0"/>
+      </a:effectRef>
+      <a:fontRef idx="minor"/>
+    </dgm:style>
+  </dgm:styleLbl>
+  <dgm:styleLbl name="asst0">
+    <dgm:scene3d>
+      <a:camera prst="orthographicFront"/>
+      <a:lightRig rig="threePt" dir="t"/>
+    </dgm:scene3d>
+    <dgm:sp3d/>
+    <dgm:txPr/>
+    <dgm:style>
+      <a:lnRef idx="2">
+        <a:scrgbClr r="0" g="0" b="0"/>
+      </a:lnRef>
+      <a:fillRef idx="1">
+        <a:scrgbClr r="0" g="0" b="0"/>
+      </a:fillRef>
+      <a:effectRef idx="0">
+        <a:scrgbClr r="0" g="0" b="0"/>
+      </a:effectRef>
+      <a:fontRef idx="minor">
+        <a:schemeClr val="lt1"/>
+      </a:fontRef>
+    </dgm:style>
+  </dgm:styleLbl>
+  <dgm:styleLbl name="asst1">
+    <dgm:scene3d>
+      <a:camera prst="orthographicFront"/>
+      <a:lightRig rig="threePt" dir="t"/>
+    </dgm:scene3d>
+    <dgm:sp3d/>
+    <dgm:txPr/>
+    <dgm:style>
+      <a:lnRef idx="2">
+        <a:scrgbClr r="0" g="0" b="0"/>
+      </a:lnRef>
+      <a:fillRef idx="1">
+        <a:scrgbClr r="0" g="0" b="0"/>
+      </a:fillRef>
+      <a:effectRef idx="0">
+        <a:scrgbClr r="0" g="0" b="0"/>
+      </a:effectRef>
+      <a:fontRef idx="minor">
+        <a:schemeClr val="lt1"/>
+      </a:fontRef>
+    </dgm:style>
+  </dgm:styleLbl>
+  <dgm:styleLbl name="asst2">
+    <dgm:scene3d>
+      <a:camera prst="orthographicFront"/>
+      <a:lightRig rig="threePt" dir="t"/>
+    </dgm:scene3d>
+    <dgm:sp3d/>
+    <dgm:txPr/>
+    <dgm:style>
+      <a:lnRef idx="2">
+        <a:scrgbClr r="0" g="0" b="0"/>
+      </a:lnRef>
+      <a:fillRef idx="1">
+        <a:scrgbClr r="0" g="0" b="0"/>
+      </a:fillRef>
+      <a:effectRef idx="0">
+        <a:scrgbClr r="0" g="0" b="0"/>
+      </a:effectRef>
+      <a:fontRef idx="minor">
+        <a:schemeClr val="lt1"/>
+      </a:fontRef>
+    </dgm:style>
+  </dgm:styleLbl>
+  <dgm:styleLbl name="asst3">
+    <dgm:scene3d>
+      <a:camera prst="orthographicFront"/>
+      <a:lightRig rig="threePt" dir="t"/>
+    </dgm:scene3d>
+    <dgm:sp3d/>
+    <dgm:txPr/>
+    <dgm:style>
+      <a:lnRef idx="2">
+        <a:scrgbClr r="0" g="0" b="0"/>
+      </a:lnRef>
+      <a:fillRef idx="1">
+        <a:scrgbClr r="0" g="0" b="0"/>
+      </a:fillRef>
+      <a:effectRef idx="0">
+        <a:scrgbClr r="0" g="0" b="0"/>
+      </a:effectRef>
+      <a:fontRef idx="minor">
+        <a:schemeClr val="lt1"/>
+      </a:fontRef>
+    </dgm:style>
+  </dgm:styleLbl>
+  <dgm:styleLbl name="asst4">
+    <dgm:scene3d>
+      <a:camera prst="orthographicFront"/>
+      <a:lightRig rig="threePt" dir="t"/>
+    </dgm:scene3d>
+    <dgm:sp3d/>
+    <dgm:txPr/>
+    <dgm:style>
+      <a:lnRef idx="2">
+        <a:scrgbClr r="0" g="0" b="0"/>
+      </a:lnRef>
+      <a:fillRef idx="1">
+        <a:scrgbClr r="0" g="0" b="0"/>
+      </a:fillRef>
+      <a:effectRef idx="0">
+        <a:scrgbClr r="0" g="0" b="0"/>
+      </a:effectRef>
+      <a:fontRef idx="minor">
+        <a:schemeClr val="lt1"/>
+      </a:fontRef>
+    </dgm:style>
+  </dgm:styleLbl>
+  <dgm:styleLbl name="parChTrans2D1">
+    <dgm:scene3d>
+      <a:camera prst="orthographicFront"/>
+      <a:lightRig rig="threePt" dir="t"/>
+    </dgm:scene3d>
+    <dgm:sp3d/>
+    <dgm:txPr/>
+    <dgm:style>
+      <a:lnRef idx="2">
+        <a:scrgbClr r="0" g="0" b="0"/>
+      </a:lnRef>
+      <a:fillRef idx="1">
+        <a:scrgbClr r="0" g="0" b="0"/>
+      </a:fillRef>
+      <a:effectRef idx="0">
+        <a:scrgbClr r="0" g="0" b="0"/>
+      </a:effectRef>
+      <a:fontRef idx="minor">
+        <a:schemeClr val="lt1"/>
+      </a:fontRef>
+    </dgm:style>
+  </dgm:styleLbl>
+  <dgm:styleLbl name="parChTrans2D2">
+    <dgm:scene3d>
+      <a:camera prst="orthographicFront"/>
+      <a:lightRig rig="threePt" dir="t"/>
+    </dgm:scene3d>
+    <dgm:sp3d/>
+    <dgm:txPr/>
+    <dgm:style>
+      <a:lnRef idx="2">
+        <a:scrgbClr r="0" g="0" b="0"/>
+      </a:lnRef>
+      <a:fillRef idx="1">
+        <a:scrgbClr r="0" g="0" b="0"/>
+      </a:fillRef>
+      <a:effectRef idx="0">
+        <a:scrgbClr r="0" g="0" b="0"/>
+      </a:effectRef>
+      <a:fontRef idx="minor">
+        <a:schemeClr val="lt1"/>
+      </a:fontRef>
+    </dgm:style>
+  </dgm:styleLbl>
+  <dgm:styleLbl name="parChTrans2D3">
+    <dgm:scene3d>
+      <a:camera prst="orthographicFront"/>
+      <a:lightRig rig="threePt" dir="t"/>
+    </dgm:scene3d>
+    <dgm:sp3d/>
+    <dgm:txPr/>
+    <dgm:style>
+      <a:lnRef idx="2">
+        <a:scrgbClr r="0" g="0" b="0"/>
+      </a:lnRef>
+      <a:fillRef idx="1">
+        <a:scrgbClr r="0" g="0" b="0"/>
+      </a:fillRef>
+      <a:effectRef idx="0">
+        <a:scrgbClr r="0" g="0" b="0"/>
+      </a:effectRef>
+      <a:fontRef idx="minor">
+        <a:schemeClr val="lt1"/>
+      </a:fontRef>
+    </dgm:style>
+  </dgm:styleLbl>
+  <dgm:styleLbl name="parChTrans2D4">
+    <dgm:scene3d>
+      <a:camera prst="orthographicFront"/>
+      <a:lightRig rig="threePt" dir="t"/>
+    </dgm:scene3d>
+    <dgm:sp3d/>
+    <dgm:txPr/>
+    <dgm:style>
+      <a:lnRef idx="2">
+        <a:scrgbClr r="0" g="0" b="0"/>
+      </a:lnRef>
+      <a:fillRef idx="1">
+        <a:scrgbClr r="0" g="0" b="0"/>
+      </a:fillRef>
+      <a:effectRef idx="0">
+        <a:scrgbClr r="0" g="0" b="0"/>
+      </a:effectRef>
+      <a:fontRef idx="minor">
+        <a:schemeClr val="lt1"/>
+      </a:fontRef>
+    </dgm:style>
+  </dgm:styleLbl>
+  <dgm:styleLbl name="parChTrans1D1">
+    <dgm:scene3d>
+      <a:camera prst="orthographicFront"/>
+      <a:lightRig rig="threePt" dir="t"/>
+    </dgm:scene3d>
+    <dgm:sp3d/>
+    <dgm:txPr/>
+    <dgm:style>
+      <a:lnRef idx="2">
+        <a:scrgbClr r="0" g="0" b="0"/>
+      </a:lnRef>
+      <a:fillRef idx="0">
+        <a:scrgbClr r="0" g="0" b="0"/>
+      </a:fillRef>
+      <a:effectRef idx="0">
+        <a:scrgbClr r="0" g="0" b="0"/>
+      </a:effectRef>
+      <a:fontRef idx="minor"/>
+    </dgm:style>
+  </dgm:styleLbl>
+  <dgm:styleLbl name="parChTrans1D2">
+    <dgm:scene3d>
+      <a:camera prst="orthographicFront"/>
+      <a:lightRig rig="threePt" dir="t"/>
+    </dgm:scene3d>
+    <dgm:sp3d/>
+    <dgm:txPr/>
+    <dgm:style>
+      <a:lnRef idx="2">
+        <a:scrgbClr r="0" g="0" b="0"/>
+      </a:lnRef>
+      <a:fillRef idx="0">
+        <a:scrgbClr r="0" g="0" b="0"/>
+      </a:fillRef>
+      <a:effectRef idx="0">
+        <a:scrgbClr r="0" g="0" b="0"/>
+      </a:effectRef>
+      <a:fontRef idx="minor"/>
+    </dgm:style>
+  </dgm:styleLbl>
+  <dgm:styleLbl name="parChTrans1D3">
+    <dgm:scene3d>
+      <a:camera prst="orthographicFront"/>
+      <a:lightRig rig="threePt" dir="t"/>
+    </dgm:scene3d>
+    <dgm:sp3d/>
+    <dgm:txPr/>
+    <dgm:style>
+      <a:lnRef idx="2">
+        <a:scrgbClr r="0" g="0" b="0"/>
+      </a:lnRef>
+      <a:fillRef idx="0">
+        <a:scrgbClr r="0" g="0" b="0"/>
+      </a:fillRef>
+      <a:effectRef idx="0">
+        <a:scrgbClr r="0" g="0" b="0"/>
+      </a:effectRef>
+      <a:fontRef idx="minor"/>
+    </dgm:style>
+  </dgm:styleLbl>
+  <dgm:styleLbl name="parChTrans1D4">
+    <dgm:scene3d>
+      <a:camera prst="orthographicFront"/>
+      <a:lightRig rig="threePt" dir="t"/>
+    </dgm:scene3d>
+    <dgm:sp3d/>
+    <dgm:txPr/>
+    <dgm:style>
+      <a:lnRef idx="2">
+        <a:scrgbClr r="0" g="0" b="0"/>
+      </a:lnRef>
+      <a:fillRef idx="0">
+        <a:scrgbClr r="0" g="0" b="0"/>
+      </a:fillRef>
+      <a:effectRef idx="0">
+        <a:scrgbClr r="0" g="0" b="0"/>
+      </a:effectRef>
+      <a:fontRef idx="minor"/>
+    </dgm:style>
+  </dgm:styleLbl>
+  <dgm:styleLbl name="fgAcc1">
+    <dgm:scene3d>
+      <a:camera prst="orthographicFront"/>
+      <a:lightRig rig="threePt" dir="t"/>
+    </dgm:scene3d>
+    <dgm:sp3d/>
+    <dgm:txPr/>
+    <dgm:style>
+      <a:lnRef idx="2">
+        <a:scrgbClr r="0" g="0" b="0"/>
+      </a:lnRef>
+      <a:fillRef idx="1">
+        <a:scrgbClr r="0" g="0" b="0"/>
+      </a:fillRef>
+      <a:effectRef idx="0">
+        <a:scrgbClr r="0" g="0" b="0"/>
+      </a:effectRef>
+      <a:fontRef idx="minor"/>
+    </dgm:style>
+  </dgm:styleLbl>
+  <dgm:styleLbl name="conFgAcc1">
+    <dgm:scene3d>
+      <a:camera prst="orthographicFront"/>
+      <a:lightRig rig="threePt" dir="t"/>
+    </dgm:scene3d>
+    <dgm:sp3d/>
+    <dgm:txPr/>
+    <dgm:style>
+      <a:lnRef idx="2">
+        <a:scrgbClr r="0" g="0" b="0"/>
+      </a:lnRef>
+      <a:fillRef idx="1">
+        <a:scrgbClr r="0" g="0" b="0"/>
+      </a:fillRef>
+      <a:effectRef idx="0">
+        <a:scrgbClr r="0" g="0" b="0"/>
+      </a:effectRef>
+      <a:fontRef idx="minor"/>
+    </dgm:style>
+  </dgm:styleLbl>
+  <dgm:styleLbl name="alignAcc1">
+    <dgm:scene3d>
+      <a:camera prst="orthographicFront"/>
+      <a:lightRig rig="threePt" dir="t"/>
+    </dgm:scene3d>
+    <dgm:sp3d/>
+    <dgm:txPr/>
+    <dgm:style>
+      <a:lnRef idx="2">
+        <a:scrgbClr r="0" g="0" b="0"/>
+      </a:lnRef>
+      <a:fillRef idx="1">
+        <a:scrgbClr r="0" g="0" b="0"/>
+      </a:fillRef>
+      <a:effectRef idx="0">
+        <a:scrgbClr r="0" g="0" b="0"/>
+      </a:effectRef>
+      <a:fontRef idx="minor"/>
+    </dgm:style>
+  </dgm:styleLbl>
+  <dgm:styleLbl name="trAlignAcc1">
+    <dgm:scene3d>
+      <a:camera prst="orthographicFront"/>
+      <a:lightRig rig="threePt" dir="t"/>
+    </dgm:scene3d>
+    <dgm:sp3d/>
+    <dgm:txPr/>
+    <dgm:style>
+      <a:lnRef idx="1">
+        <a:scrgbClr r="0" g="0" b="0"/>
+      </a:lnRef>
+      <a:fillRef idx="1">
+        <a:scrgbClr r="0" g="0" b="0"/>
+      </a:fillRef>
+      <a:effectRef idx="0">
+        <a:scrgbClr r="0" g="0" b="0"/>
+      </a:effectRef>
+      <a:fontRef idx="minor"/>
+    </dgm:style>
+  </dgm:styleLbl>
+  <dgm:styleLbl name="bgAcc1">
+    <dgm:scene3d>
+      <a:camera prst="orthographicFront"/>
+      <a:lightRig rig="threePt" dir="t"/>
+    </dgm:scene3d>
+    <dgm:sp3d/>
+    <dgm:txPr/>
+    <dgm:style>
+      <a:lnRef idx="2">
+        <a:scrgbClr r="0" g="0" b="0"/>
+      </a:lnRef>
+      <a:fillRef idx="1">
+        <a:scrgbClr r="0" g="0" b="0"/>
+      </a:fillRef>
+      <a:effectRef idx="0">
+        <a:scrgbClr r="0" g="0" b="0"/>
+      </a:effectRef>
+      <a:fontRef idx="minor"/>
+    </dgm:style>
+  </dgm:styleLbl>
+  <dgm:styleLbl name="solidFgAcc1">
+    <dgm:scene3d>
+      <a:camera prst="orthographicFront"/>
+      <a:lightRig rig="threePt" dir="t"/>
+    </dgm:scene3d>
+    <dgm:sp3d/>
+    <dgm:txPr/>
+    <dgm:style>
+      <a:lnRef idx="2">
+        <a:scrgbClr r="0" g="0" b="0"/>
+      </a:lnRef>
+      <a:fillRef idx="1">
+        <a:scrgbClr r="0" g="0" b="0"/>
+      </a:fillRef>
+      <a:effectRef idx="0">
+        <a:scrgbClr r="0" g="0" b="0"/>
+      </a:effectRef>
+      <a:fontRef idx="minor"/>
+    </dgm:style>
+  </dgm:styleLbl>
+  <dgm:styleLbl name="solidAlignAcc1">
+    <dgm:scene3d>
+      <a:camera prst="orthographicFront"/>
+      <a:lightRig rig="threePt" dir="t"/>
+    </dgm:scene3d>
+    <dgm:sp3d/>
+    <dgm:txPr/>
+    <dgm:style>
+      <a:lnRef idx="2">
+        <a:scrgbClr r="0" g="0" b="0"/>
+      </a:lnRef>
+      <a:fillRef idx="1">
+        <a:scrgbClr r="0" g="0" b="0"/>
+      </a:fillRef>
+      <a:effectRef idx="0">
+        <a:scrgbClr r="0" g="0" b="0"/>
+      </a:effectRef>
+      <a:fontRef idx="minor"/>
+    </dgm:style>
+  </dgm:styleLbl>
+  <dgm:styleLbl name="solidBgAcc1">
+    <dgm:scene3d>
+      <a:camera prst="orthographicFront"/>
+      <a:lightRig rig="threePt" dir="t"/>
+    </dgm:scene3d>
+    <dgm:sp3d/>
+    <dgm:txPr/>
+    <dgm:style>
+      <a:lnRef idx="2">
+        <a:scrgbClr r="0" g="0" b="0"/>
+      </a:lnRef>
+      <a:fillRef idx="1">
+        <a:scrgbClr r="0" g="0" b="0"/>
+      </a:fillRef>
+      <a:effectRef idx="0">
+        <a:scrgbClr r="0" g="0" b="0"/>
+      </a:effectRef>
+      <a:fontRef idx="minor"/>
+    </dgm:style>
+  </dgm:styleLbl>
+  <dgm:styleLbl name="fgAccFollowNode1">
+    <dgm:scene3d>
+      <a:camera prst="orthographicFront"/>
+      <a:lightRig rig="threePt" dir="t"/>
+    </dgm:scene3d>
+    <dgm:sp3d/>
+    <dgm:txPr/>
+    <dgm:style>
+      <a:lnRef idx="2">
+        <a:scrgbClr r="0" g="0" b="0"/>
+      </a:lnRef>
+      <a:fillRef idx="1">
+        <a:scrgbClr r="0" g="0" b="0"/>
+      </a:fillRef>
+      <a:effectRef idx="0">
+        <a:scrgbClr r="0" g="0" b="0"/>
+      </a:effectRef>
+      <a:fontRef idx="minor"/>
+    </dgm:style>
+  </dgm:styleLbl>
+  <dgm:styleLbl name="alignAccFollowNode1">
+    <dgm:scene3d>
+      <a:camera prst="orthographicFront"/>
+      <a:lightRig rig="threePt" dir="t"/>
+    </dgm:scene3d>
+    <dgm:sp3d/>
+    <dgm:txPr/>
+    <dgm:style>
+      <a:lnRef idx="2">
+        <a:scrgbClr r="0" g="0" b="0"/>
+      </a:lnRef>
+      <a:fillRef idx="1">
+        <a:scrgbClr r="0" g="0" b="0"/>
+      </a:fillRef>
+      <a:effectRef idx="0">
+        <a:scrgbClr r="0" g="0" b="0"/>
+      </a:effectRef>
+      <a:fontRef idx="minor"/>
+    </dgm:style>
+  </dgm:styleLbl>
+  <dgm:styleLbl name="bgAccFollowNode1">
+    <dgm:scene3d>
+      <a:camera prst="orthographicFront"/>
+      <a:lightRig rig="threePt" dir="t"/>
+    </dgm:scene3d>
+    <dgm:sp3d/>
+    <dgm:txPr/>
+    <dgm:style>
+      <a:lnRef idx="2">
+        <a:scrgbClr r="0" g="0" b="0"/>
+      </a:lnRef>
+      <a:fillRef idx="1">
+        <a:scrgbClr r="0" g="0" b="0"/>
+      </a:fillRef>
+      <a:effectRef idx="0">
+        <a:scrgbClr r="0" g="0" b="0"/>
+      </a:effectRef>
+      <a:fontRef idx="minor"/>
+    </dgm:style>
+  </dgm:styleLbl>
+  <dgm:styleLbl name="fgAcc0">
+    <dgm:scene3d>
+      <a:camera prst="orthographicFront"/>
+      <a:lightRig rig="threePt" dir="t"/>
+    </dgm:scene3d>
+    <dgm:sp3d/>
+    <dgm:txPr/>
+    <dgm:style>
+      <a:lnRef idx="2">
+        <a:scrgbClr r="0" g="0" b="0"/>
+      </a:lnRef>
+      <a:fillRef idx="1">
+        <a:scrgbClr r="0" g="0" b="0"/>
+      </a:fillRef>
+      <a:effectRef idx="0">
+        <a:scrgbClr r="0" g="0" b="0"/>
+      </a:effectRef>
+      <a:fontRef idx="minor"/>
+    </dgm:style>
+  </dgm:styleLbl>
+  <dgm:styleLbl name="fgAcc2">
+    <dgm:scene3d>
+      <a:camera prst="orthographicFront"/>
+      <a:lightRig rig="threePt" dir="t"/>
+    </dgm:scene3d>
+    <dgm:sp3d/>
+    <dgm:txPr/>
+    <dgm:style>
+      <a:lnRef idx="2">
+        <a:scrgbClr r="0" g="0" b="0"/>
+      </a:lnRef>
+      <a:fillRef idx="1">
+        <a:scrgbClr r="0" g="0" b="0"/>
+      </a:fillRef>
+      <a:effectRef idx="0">
+        <a:scrgbClr r="0" g="0" b="0"/>
+      </a:effectRef>
+      <a:fontRef idx="minor"/>
+    </dgm:style>
+  </dgm:styleLbl>
+  <dgm:styleLbl name="fgAcc3">
+    <dgm:scene3d>
+      <a:camera prst="orthographicFront"/>
+      <a:lightRig rig="threePt" dir="t"/>
+    </dgm:scene3d>
+    <dgm:sp3d/>
+    <dgm:txPr/>
+    <dgm:style>
+      <a:lnRef idx="2">
+        <a:scrgbClr r="0" g="0" b="0"/>
+      </a:lnRef>
+      <a:fillRef idx="1">
+        <a:scrgbClr r="0" g="0" b="0"/>
+      </a:fillRef>
+      <a:effectRef idx="0">
+        <a:scrgbClr r="0" g="0" b="0"/>
+      </a:effectRef>
+      <a:fontRef idx="minor"/>
+    </dgm:style>
+  </dgm:styleLbl>
+  <dgm:styleLbl name="fgAcc4">
+    <dgm:scene3d>
+      <a:camera prst="orthographicFront"/>
+      <a:lightRig rig="threePt" dir="t"/>
+    </dgm:scene3d>
+    <dgm:sp3d/>
+    <dgm:txPr/>
+    <dgm:style>
+      <a:lnRef idx="2">
+        <a:scrgbClr r="0" g="0" b="0"/>
+      </a:lnRef>
+      <a:fillRef idx="1">
+        <a:scrgbClr r="0" g="0" b="0"/>
+      </a:fillRef>
+      <a:effectRef idx="0">
+        <a:scrgbClr r="0" g="0" b="0"/>
+      </a:effectRef>
+      <a:fontRef idx="minor"/>
+    </dgm:style>
+  </dgm:styleLbl>
+  <dgm:styleLbl name="bgShp">
+    <dgm:scene3d>
+      <a:camera prst="orthographicFront"/>
+      <a:lightRig rig="threePt" dir="t"/>
+    </dgm:scene3d>
+    <dgm:sp3d/>
+    <dgm:txPr/>
+    <dgm:style>
+      <a:lnRef idx="0">
+        <a:scrgbClr r="0" g="0" b="0"/>
+      </a:lnRef>
+      <a:fillRef idx="1">
+        <a:scrgbClr r="0" g="0" b="0"/>
+      </a:fillRef>
+      <a:effectRef idx="0">
+        <a:scrgbClr r="0" g="0" b="0"/>
+      </a:effectRef>
+      <a:fontRef idx="minor"/>
+    </dgm:style>
+  </dgm:styleLbl>
+  <dgm:styleLbl name="dkBgShp">
+    <dgm:scene3d>
+      <a:camera prst="orthographicFront"/>
+      <a:lightRig rig="threePt" dir="t"/>
+    </dgm:scene3d>
+    <dgm:sp3d/>
+    <dgm:txPr/>
+    <dgm:style>
+      <a:lnRef idx="0">
+        <a:scrgbClr r="0" g="0" b="0"/>
+      </a:lnRef>
+      <a:fillRef idx="1">
+        <a:scrgbClr r="0" g="0" b="0"/>
+      </a:fillRef>
+      <a:effectRef idx="0">
+        <a:scrgbClr r="0" g="0" b="0"/>
+      </a:effectRef>
+      <a:fontRef idx="minor"/>
+    </dgm:style>
+  </dgm:styleLbl>
+  <dgm:styleLbl name="trBgShp">
+    <dgm:scene3d>
+      <a:camera prst="orthographicFront"/>
+      <a:lightRig rig="threePt" dir="t"/>
+    </dgm:scene3d>
+    <dgm:sp3d/>
+    <dgm:txPr/>
+    <dgm:style>
+      <a:lnRef idx="0">
+        <a:scrgbClr r="0" g="0" b="0"/>
+      </a:lnRef>
+      <a:fillRef idx="1">
+        <a:scrgbClr r="0" g="0" b="0"/>
+      </a:fillRef>
+      <a:effectRef idx="0">
+        <a:scrgbClr r="0" g="0" b="0"/>
+      </a:effectRef>
+      <a:fontRef idx="minor"/>
+    </dgm:style>
+  </dgm:styleLbl>
+  <dgm:styleLbl name="fgShp">
+    <dgm:scene3d>
+      <a:camera prst="orthographicFront"/>
+      <a:lightRig rig="threePt" dir="t"/>
+    </dgm:scene3d>
+    <dgm:sp3d/>
+    <dgm:txPr/>
+    <dgm:style>
+      <a:lnRef idx="2">
+        <a:scrgbClr r="0" g="0" b="0"/>
+      </a:lnRef>
+      <a:fillRef idx="1">
+        <a:scrgbClr r="0" g="0" b="0"/>
+      </a:fillRef>
+      <a:effectRef idx="0">
+        <a:scrgbClr r="0" g="0" b="0"/>
+      </a:effectRef>
+      <a:fontRef idx="minor"/>
+    </dgm:style>
+  </dgm:styleLbl>
+  <dgm:styleLbl name="revTx">
+    <dgm:scene3d>
+      <a:camera prst="orthographicFront"/>
+      <a:lightRig rig="threePt" dir="t"/>
+    </dgm:scene3d>
+    <dgm:sp3d/>
+    <dgm:txPr/>
+    <dgm:style>
+      <a:lnRef idx="0">
+        <a:scrgbClr r="0" g="0" b="0"/>
+      </a:lnRef>
+      <a:fillRef idx="0">
+        <a:scrgbClr r="0" g="0" b="0"/>
+      </a:fillRef>
+      <a:effectRef idx="0">
+        <a:scrgbClr r="0" g="0" b="0"/>
+      </a:effectRef>
+      <a:fontRef idx="minor"/>
+    </dgm:style>
+  </dgm:styleLbl>
+</dgm:styleDef>
+</file>
+
 <file path=ppt/slideLayouts/slideLayout1.xml><?xml version="1.0" encoding="utf-8"?>
 <p:sldLayout xmlns:a="http://schemas.openxmlformats.org/drawingml/2006/main" xmlns:r="http://schemas.openxmlformats.org/officeDocument/2006/relationships" xmlns:p="http://schemas.openxmlformats.org/presentationml/2006/main" type="title" preserve="1">
   <p:cSld name="标题幻灯片">
@@ -298,7 +2763,8 @@
           <a:p>
             <a:fld id="{AA7242DF-C1BF-47DE-B765-85006756441D}" type="datetimeFigureOut">
               <a:rPr lang="zh-CN" altLang="en-US" smtClean="0"/>
-              <a:t>2017/9/26</a:t>
+              <a:pPr/>
+              <a:t>2017/9/27</a:t>
             </a:fld>
             <a:endParaRPr lang="zh-CN" altLang="en-US"/>
           </a:p>
@@ -340,6 +2806,7 @@
           <a:p>
             <a:fld id="{7F470BEE-4A86-489D-BFB3-B2614E479FF7}" type="slidenum">
               <a:rPr lang="zh-CN" altLang="en-US" smtClean="0"/>
+              <a:pPr/>
               <a:t>‹#›</a:t>
             </a:fld>
             <a:endParaRPr lang="zh-CN" altLang="en-US"/>
@@ -463,7 +2930,8 @@
           <a:p>
             <a:fld id="{AA7242DF-C1BF-47DE-B765-85006756441D}" type="datetimeFigureOut">
               <a:rPr lang="zh-CN" altLang="en-US" smtClean="0"/>
-              <a:t>2017/9/26</a:t>
+              <a:pPr/>
+              <a:t>2017/9/27</a:t>
             </a:fld>
             <a:endParaRPr lang="zh-CN" altLang="en-US"/>
           </a:p>
@@ -505,6 +2973,7 @@
           <a:p>
             <a:fld id="{7F470BEE-4A86-489D-BFB3-B2614E479FF7}" type="slidenum">
               <a:rPr lang="zh-CN" altLang="en-US" smtClean="0"/>
+              <a:pPr/>
               <a:t>‹#›</a:t>
             </a:fld>
             <a:endParaRPr lang="zh-CN" altLang="en-US"/>
@@ -638,7 +3107,8 @@
           <a:p>
             <a:fld id="{AA7242DF-C1BF-47DE-B765-85006756441D}" type="datetimeFigureOut">
               <a:rPr lang="zh-CN" altLang="en-US" smtClean="0"/>
-              <a:t>2017/9/26</a:t>
+              <a:pPr/>
+              <a:t>2017/9/27</a:t>
             </a:fld>
             <a:endParaRPr lang="zh-CN" altLang="en-US"/>
           </a:p>
@@ -680,6 +3150,7 @@
           <a:p>
             <a:fld id="{7F470BEE-4A86-489D-BFB3-B2614E479FF7}" type="slidenum">
               <a:rPr lang="zh-CN" altLang="en-US" smtClean="0"/>
+              <a:pPr/>
               <a:t>‹#›</a:t>
             </a:fld>
             <a:endParaRPr lang="zh-CN" altLang="en-US"/>
@@ -803,7 +3274,8 @@
           <a:p>
             <a:fld id="{AA7242DF-C1BF-47DE-B765-85006756441D}" type="datetimeFigureOut">
               <a:rPr lang="zh-CN" altLang="en-US" smtClean="0"/>
-              <a:t>2017/9/26</a:t>
+              <a:pPr/>
+              <a:t>2017/9/27</a:t>
             </a:fld>
             <a:endParaRPr lang="zh-CN" altLang="en-US"/>
           </a:p>
@@ -845,6 +3317,7 @@
           <a:p>
             <a:fld id="{7F470BEE-4A86-489D-BFB3-B2614E479FF7}" type="slidenum">
               <a:rPr lang="zh-CN" altLang="en-US" smtClean="0"/>
+              <a:pPr/>
               <a:t>‹#›</a:t>
             </a:fld>
             <a:endParaRPr lang="zh-CN" altLang="en-US"/>
@@ -1044,7 +3517,8 @@
           <a:p>
             <a:fld id="{AA7242DF-C1BF-47DE-B765-85006756441D}" type="datetimeFigureOut">
               <a:rPr lang="zh-CN" altLang="en-US" smtClean="0"/>
-              <a:t>2017/9/26</a:t>
+              <a:pPr/>
+              <a:t>2017/9/27</a:t>
             </a:fld>
             <a:endParaRPr lang="zh-CN" altLang="en-US"/>
           </a:p>
@@ -1086,6 +3560,7 @@
           <a:p>
             <a:fld id="{7F470BEE-4A86-489D-BFB3-B2614E479FF7}" type="slidenum">
               <a:rPr lang="zh-CN" altLang="en-US" smtClean="0"/>
+              <a:pPr/>
               <a:t>‹#›</a:t>
             </a:fld>
             <a:endParaRPr lang="zh-CN" altLang="en-US"/>
@@ -1327,7 +3802,8 @@
           <a:p>
             <a:fld id="{AA7242DF-C1BF-47DE-B765-85006756441D}" type="datetimeFigureOut">
               <a:rPr lang="zh-CN" altLang="en-US" smtClean="0"/>
-              <a:t>2017/9/26</a:t>
+              <a:pPr/>
+              <a:t>2017/9/27</a:t>
             </a:fld>
             <a:endParaRPr lang="zh-CN" altLang="en-US"/>
           </a:p>
@@ -1369,6 +3845,7 @@
           <a:p>
             <a:fld id="{7F470BEE-4A86-489D-BFB3-B2614E479FF7}" type="slidenum">
               <a:rPr lang="zh-CN" altLang="en-US" smtClean="0"/>
+              <a:pPr/>
               <a:t>‹#›</a:t>
             </a:fld>
             <a:endParaRPr lang="zh-CN" altLang="en-US"/>
@@ -1744,7 +4221,8 @@
           <a:p>
             <a:fld id="{AA7242DF-C1BF-47DE-B765-85006756441D}" type="datetimeFigureOut">
               <a:rPr lang="zh-CN" altLang="en-US" smtClean="0"/>
-              <a:t>2017/9/26</a:t>
+              <a:pPr/>
+              <a:t>2017/9/27</a:t>
             </a:fld>
             <a:endParaRPr lang="zh-CN" altLang="en-US"/>
           </a:p>
@@ -1786,6 +4264,7 @@
           <a:p>
             <a:fld id="{7F470BEE-4A86-489D-BFB3-B2614E479FF7}" type="slidenum">
               <a:rPr lang="zh-CN" altLang="en-US" smtClean="0"/>
+              <a:pPr/>
               <a:t>‹#›</a:t>
             </a:fld>
             <a:endParaRPr lang="zh-CN" altLang="en-US"/>
@@ -1857,7 +4336,8 @@
           <a:p>
             <a:fld id="{AA7242DF-C1BF-47DE-B765-85006756441D}" type="datetimeFigureOut">
               <a:rPr lang="zh-CN" altLang="en-US" smtClean="0"/>
-              <a:t>2017/9/26</a:t>
+              <a:pPr/>
+              <a:t>2017/9/27</a:t>
             </a:fld>
             <a:endParaRPr lang="zh-CN" altLang="en-US"/>
           </a:p>
@@ -1899,6 +4379,7 @@
           <a:p>
             <a:fld id="{7F470BEE-4A86-489D-BFB3-B2614E479FF7}" type="slidenum">
               <a:rPr lang="zh-CN" altLang="en-US" smtClean="0"/>
+              <a:pPr/>
               <a:t>‹#›</a:t>
             </a:fld>
             <a:endParaRPr lang="zh-CN" altLang="en-US"/>
@@ -1947,7 +4428,8 @@
           <a:p>
             <a:fld id="{AA7242DF-C1BF-47DE-B765-85006756441D}" type="datetimeFigureOut">
               <a:rPr lang="zh-CN" altLang="en-US" smtClean="0"/>
-              <a:t>2017/9/26</a:t>
+              <a:pPr/>
+              <a:t>2017/9/27</a:t>
             </a:fld>
             <a:endParaRPr lang="zh-CN" altLang="en-US"/>
           </a:p>
@@ -1989,6 +4471,7 @@
           <a:p>
             <a:fld id="{7F470BEE-4A86-489D-BFB3-B2614E479FF7}" type="slidenum">
               <a:rPr lang="zh-CN" altLang="en-US" smtClean="0"/>
+              <a:pPr/>
               <a:t>‹#›</a:t>
             </a:fld>
             <a:endParaRPr lang="zh-CN" altLang="en-US"/>
@@ -2219,7 +4702,8 @@
           <a:p>
             <a:fld id="{AA7242DF-C1BF-47DE-B765-85006756441D}" type="datetimeFigureOut">
               <a:rPr lang="zh-CN" altLang="en-US" smtClean="0"/>
-              <a:t>2017/9/26</a:t>
+              <a:pPr/>
+              <a:t>2017/9/27</a:t>
             </a:fld>
             <a:endParaRPr lang="zh-CN" altLang="en-US"/>
           </a:p>
@@ -2261,6 +4745,7 @@
           <a:p>
             <a:fld id="{7F470BEE-4A86-489D-BFB3-B2614E479FF7}" type="slidenum">
               <a:rPr lang="zh-CN" altLang="en-US" smtClean="0"/>
+              <a:pPr/>
               <a:t>‹#›</a:t>
             </a:fld>
             <a:endParaRPr lang="zh-CN" altLang="en-US"/>
@@ -2467,7 +4952,8 @@
           <a:p>
             <a:fld id="{AA7242DF-C1BF-47DE-B765-85006756441D}" type="datetimeFigureOut">
               <a:rPr lang="zh-CN" altLang="en-US" smtClean="0"/>
-              <a:t>2017/9/26</a:t>
+              <a:pPr/>
+              <a:t>2017/9/27</a:t>
             </a:fld>
             <a:endParaRPr lang="zh-CN" altLang="en-US"/>
           </a:p>
@@ -2509,6 +4995,7 @@
           <a:p>
             <a:fld id="{7F470BEE-4A86-489D-BFB3-B2614E479FF7}" type="slidenum">
               <a:rPr lang="zh-CN" altLang="en-US" smtClean="0"/>
+              <a:pPr/>
               <a:t>‹#›</a:t>
             </a:fld>
             <a:endParaRPr lang="zh-CN" altLang="en-US"/>
@@ -2675,7 +5162,8 @@
           <a:p>
             <a:fld id="{AA7242DF-C1BF-47DE-B765-85006756441D}" type="datetimeFigureOut">
               <a:rPr lang="zh-CN" altLang="en-US" smtClean="0"/>
-              <a:t>2017/9/26</a:t>
+              <a:pPr/>
+              <a:t>2017/9/27</a:t>
             </a:fld>
             <a:endParaRPr lang="zh-CN" altLang="en-US"/>
           </a:p>
@@ -2753,6 +5241,7 @@
           <a:p>
             <a:fld id="{7F470BEE-4A86-489D-BFB3-B2614E479FF7}" type="slidenum">
               <a:rPr lang="zh-CN" altLang="en-US" smtClean="0"/>
+              <a:pPr/>
               <a:t>‹#›</a:t>
             </a:fld>
             <a:endParaRPr lang="zh-CN" altLang="en-US"/>
@@ -3065,12 +5554,16 @@
               <a:t>基于</a:t>
             </a:r>
             <a:r>
-              <a:rPr lang="en-US" altLang="zh-CN" dirty="0" smtClean="0"/>
-              <a:t>Node</a:t>
+              <a:rPr lang="en-US" altLang="zh-CN" dirty="0" err="1" smtClean="0"/>
+              <a:t>Nodejs</a:t>
             </a:r>
             <a:r>
               <a:rPr lang="zh-CN" altLang="en-US" dirty="0" smtClean="0"/>
-              <a:t>的网络爬虫</a:t>
+              <a:t>的</a:t>
+            </a:r>
+            <a:r>
+              <a:rPr lang="zh-CN" altLang="en-US" dirty="0" smtClean="0"/>
+              <a:t>网络爬虫</a:t>
             </a:r>
             <a:r>
               <a:rPr lang="en-US" altLang="zh-CN" dirty="0" smtClean="0"/>
@@ -3222,7 +5715,7 @@
           <a:p>
             <a:r>
               <a:rPr lang="zh-CN" altLang="en-US" sz="3600" dirty="0" smtClean="0"/>
-              <a:t>编写过程中的问题</a:t>
+              <a:t>爬虫相关延伸</a:t>
             </a:r>
             <a:endParaRPr lang="zh-CN" altLang="en-US" sz="3600" dirty="0"/>
           </a:p>
@@ -3240,43 +5733,156 @@
         </p:nvSpPr>
         <p:spPr/>
         <p:txBody>
-          <a:bodyPr/>
+          <a:bodyPr>
+            <a:normAutofit fontScale="85000" lnSpcReduction="10000"/>
+          </a:bodyPr>
           <a:lstStyle/>
           <a:p>
             <a:r>
+              <a:rPr lang="en-US" altLang="zh-CN" dirty="0" smtClean="0"/>
+              <a:t>Python </a:t>
+            </a:r>
+            <a:r>
               <a:rPr lang="zh-CN" altLang="en-US" dirty="0" smtClean="0"/>
-              <a:t>文件夹或文件重名</a:t>
+              <a:t>是编写爬虫最合适的语言</a:t>
+            </a:r>
+            <a:r>
+              <a:rPr lang="en-US" altLang="zh-CN" dirty="0" smtClean="0"/>
+              <a:t>,</a:t>
+            </a:r>
+            <a:r>
+              <a:rPr lang="zh-CN" altLang="en-US" dirty="0" smtClean="0"/>
+              <a:t>相关包支持非常丰富</a:t>
+            </a:r>
+            <a:r>
+              <a:rPr lang="en-US" altLang="zh-CN" dirty="0" smtClean="0"/>
+              <a:t>;</a:t>
+            </a:r>
+            <a:r>
+              <a:rPr lang="zh-CN" altLang="en-US" dirty="0" smtClean="0"/>
+              <a:t>可以破解大部分防爬策略</a:t>
             </a:r>
             <a:endParaRPr lang="en-US" altLang="zh-CN" dirty="0" smtClean="0"/>
           </a:p>
           <a:p>
             <a:r>
+              <a:rPr lang="en-US" altLang="zh-CN" dirty="0" smtClean="0"/>
+              <a:t>《</a:t>
+            </a:r>
+            <a:r>
               <a:rPr lang="zh-CN" altLang="en-US" dirty="0" smtClean="0"/>
-              <a:t>页面使用</a:t>
+              <a:t>数学之美 </a:t>
             </a:r>
             <a:r>
               <a:rPr lang="en-US" altLang="zh-CN" dirty="0" smtClean="0"/>
-              <a:t>Ajax</a:t>
+              <a:t>》</a:t>
             </a:r>
             <a:r>
               <a:rPr lang="zh-CN" altLang="en-US" dirty="0" smtClean="0"/>
-              <a:t>请求数据显示</a:t>
+              <a:t>布隆过滤器</a:t>
             </a:r>
             <a:endParaRPr lang="en-US" altLang="zh-CN" dirty="0" smtClean="0"/>
           </a:p>
           <a:p>
             <a:r>
               <a:rPr lang="zh-CN" altLang="en-US" dirty="0" smtClean="0"/>
-              <a:t>数据去重</a:t>
+              <a:t>八爪鱼采集</a:t>
+            </a:r>
+            <a:r>
+              <a:rPr lang="zh-CN" altLang="en-US" dirty="0" smtClean="0"/>
+              <a:t>器 </a:t>
+            </a:r>
+            <a:r>
+              <a:rPr lang="en-US" altLang="zh-CN" dirty="0" smtClean="0">
+                <a:hlinkClick r:id="rId2"/>
+              </a:rPr>
+              <a:t>http://www.bazhuayu.com</a:t>
+            </a:r>
+            <a:r>
+              <a:rPr lang="en-US" altLang="zh-CN" dirty="0" smtClean="0">
+                <a:hlinkClick r:id="rId2"/>
+              </a:rPr>
+              <a:t>/</a:t>
             </a:r>
             <a:endParaRPr lang="en-US" altLang="zh-CN" dirty="0" smtClean="0"/>
           </a:p>
           <a:p>
             <a:r>
               <a:rPr lang="zh-CN" altLang="en-US" dirty="0" smtClean="0"/>
-              <a:t>深度优先和广度优先</a:t>
+              <a:t>前嗅 </a:t>
+            </a:r>
+            <a:r>
+              <a:rPr lang="en-US" altLang="zh-CN" dirty="0" smtClean="0"/>
+              <a:t>http</a:t>
+            </a:r>
+            <a:r>
+              <a:rPr lang="en-US" altLang="zh-CN" dirty="0" smtClean="0"/>
+              <a:t>://forenose.com/pannel/prod/crawler_cen.html</a:t>
             </a:r>
             <a:endParaRPr lang="en-US" altLang="zh-CN" dirty="0" smtClean="0"/>
+          </a:p>
+          <a:p>
+            <a:r>
+              <a:rPr lang="zh-CN" altLang="en-US" dirty="0" smtClean="0"/>
+              <a:t>爬取的数据有些是不能用于商用的</a:t>
+            </a:r>
+            <a:r>
+              <a:rPr lang="en-US" altLang="zh-CN" dirty="0" smtClean="0"/>
+              <a:t>,</a:t>
+            </a:r>
+            <a:r>
+              <a:rPr lang="zh-CN" altLang="en-US" dirty="0" smtClean="0"/>
+              <a:t>否则会被告侵权</a:t>
+            </a:r>
+            <a:endParaRPr lang="en-US" altLang="zh-CN" dirty="0" smtClean="0"/>
+          </a:p>
+          <a:p>
+            <a:r>
+              <a:rPr lang="zh-CN" altLang="en-US" dirty="0" smtClean="0"/>
+              <a:t>爬</a:t>
+            </a:r>
+            <a:r>
+              <a:rPr lang="zh-CN" altLang="en-US" dirty="0" smtClean="0"/>
+              <a:t>取别人网站时</a:t>
+            </a:r>
+            <a:r>
+              <a:rPr lang="en-US" altLang="zh-CN" dirty="0" smtClean="0"/>
+              <a:t>,</a:t>
+            </a:r>
+            <a:r>
+              <a:rPr lang="zh-CN" altLang="en-US" dirty="0" smtClean="0"/>
+              <a:t>注意并发</a:t>
+            </a:r>
+            <a:r>
+              <a:rPr lang="en-US" altLang="zh-CN" dirty="0" smtClean="0"/>
+              <a:t>,</a:t>
+            </a:r>
+            <a:r>
+              <a:rPr lang="zh-CN" altLang="en-US" dirty="0" smtClean="0"/>
+              <a:t>不要把别人网站搞瘫痪</a:t>
+            </a:r>
+            <a:endParaRPr lang="en-US" altLang="zh-CN" dirty="0" smtClean="0"/>
+          </a:p>
+          <a:p>
+            <a:r>
+              <a:rPr lang="zh-CN" altLang="en-US" dirty="0" smtClean="0"/>
+              <a:t>防爬策略</a:t>
+            </a:r>
+            <a:r>
+              <a:rPr lang="en-US" altLang="zh-CN" dirty="0" smtClean="0"/>
+              <a:t> </a:t>
+            </a:r>
+            <a:r>
+              <a:rPr lang="en-US" altLang="zh-CN" dirty="0" smtClean="0"/>
+              <a:t>https://www.zhihu.com/question/28168585</a:t>
+            </a:r>
+            <a:endParaRPr lang="en-US" altLang="zh-CN" dirty="0" smtClean="0"/>
+          </a:p>
+          <a:p>
+            <a:endParaRPr lang="en-US" altLang="zh-CN" dirty="0" smtClean="0"/>
+          </a:p>
+          <a:p>
+            <a:endParaRPr lang="zh-CN" altLang="en-US" dirty="0"/>
           </a:p>
         </p:txBody>
       </p:sp>
@@ -3289,7 +5895,7 @@
           <p:nvPr/>
         </p:nvPicPr>
         <p:blipFill>
-          <a:blip r:embed="rId2"/>
+          <a:blip r:embed="rId3"/>
           <a:srcRect/>
           <a:stretch>
             <a:fillRect/>
@@ -3311,6 +5917,13 @@
   <p:clrMapOvr>
     <a:masterClrMapping/>
   </p:clrMapOvr>
+  <p:timing>
+    <p:tnLst>
+      <p:par>
+        <p:cTn id="1" dur="indefinite" restart="never" nodeType="tmRoot"/>
+      </p:par>
+    </p:tnLst>
+  </p:timing>
 </p:sld>
 </file>
 
@@ -3415,9 +6028,223 @@
   <p:timing>
     <p:tnLst>
       <p:par>
-        <p:cTn id="1" dur="indefinite" restart="never" nodeType="tmRoot"/>
+        <p:cTn id="1" dur="indefinite" restart="never" nodeType="tmRoot">
+          <p:childTnLst>
+            <p:seq concurrent="1" nextAc="seek">
+              <p:cTn id="2" dur="indefinite" nodeType="mainSeq">
+                <p:childTnLst>
+                  <p:par>
+                    <p:cTn id="3" fill="hold">
+                      <p:stCondLst>
+                        <p:cond delay="indefinite"/>
+                        <p:cond evt="onBegin" delay="0">
+                          <p:tn val="2"/>
+                        </p:cond>
+                      </p:stCondLst>
+                      <p:childTnLst>
+                        <p:par>
+                          <p:cTn id="4" fill="hold">
+                            <p:stCondLst>
+                              <p:cond delay="0"/>
+                            </p:stCondLst>
+                            <p:childTnLst>
+                              <p:par>
+                                <p:cTn id="5" presetID="2" presetClass="entr" presetSubtype="1" fill="hold" nodeType="afterEffect">
+                                  <p:stCondLst>
+                                    <p:cond delay="0"/>
+                                  </p:stCondLst>
+                                  <p:childTnLst>
+                                    <p:set>
+                                      <p:cBhvr>
+                                        <p:cTn id="6" dur="1" fill="hold">
+                                          <p:stCondLst>
+                                            <p:cond delay="0"/>
+                                          </p:stCondLst>
+                                        </p:cTn>
+                                        <p:tgtEl>
+                                          <p:spTgt spid="3074"/>
+                                        </p:tgtEl>
+                                        <p:attrNameLst>
+                                          <p:attrName>style.visibility</p:attrName>
+                                        </p:attrNameLst>
+                                      </p:cBhvr>
+                                      <p:to>
+                                        <p:strVal val="visible"/>
+                                      </p:to>
+                                    </p:set>
+                                    <p:anim calcmode="lin" valueType="num">
+                                      <p:cBhvr additive="base">
+                                        <p:cTn id="7" dur="2000" fill="hold"/>
+                                        <p:tgtEl>
+                                          <p:spTgt spid="3074"/>
+                                        </p:tgtEl>
+                                        <p:attrNameLst>
+                                          <p:attrName>ppt_x</p:attrName>
+                                        </p:attrNameLst>
+                                      </p:cBhvr>
+                                      <p:tavLst>
+                                        <p:tav tm="0">
+                                          <p:val>
+                                            <p:strVal val="#ppt_x"/>
+                                          </p:val>
+                                        </p:tav>
+                                        <p:tav tm="100000">
+                                          <p:val>
+                                            <p:strVal val="#ppt_x"/>
+                                          </p:val>
+                                        </p:tav>
+                                      </p:tavLst>
+                                    </p:anim>
+                                    <p:anim calcmode="lin" valueType="num">
+                                      <p:cBhvr additive="base">
+                                        <p:cTn id="8" dur="2000" fill="hold"/>
+                                        <p:tgtEl>
+                                          <p:spTgt spid="3074"/>
+                                        </p:tgtEl>
+                                        <p:attrNameLst>
+                                          <p:attrName>ppt_y</p:attrName>
+                                        </p:attrNameLst>
+                                      </p:cBhvr>
+                                      <p:tavLst>
+                                        <p:tav tm="0">
+                                          <p:val>
+                                            <p:strVal val="0-#ppt_h/2"/>
+                                          </p:val>
+                                        </p:tav>
+                                        <p:tav tm="100000">
+                                          <p:val>
+                                            <p:strVal val="#ppt_y"/>
+                                          </p:val>
+                                        </p:tav>
+                                      </p:tavLst>
+                                    </p:anim>
+                                  </p:childTnLst>
+                                </p:cTn>
+                              </p:par>
+                            </p:childTnLst>
+                          </p:cTn>
+                        </p:par>
+                        <p:par>
+                          <p:cTn id="9" fill="hold">
+                            <p:stCondLst>
+                              <p:cond delay="2000"/>
+                            </p:stCondLst>
+                            <p:childTnLst>
+                              <p:par>
+                                <p:cTn id="10" presetID="2" presetClass="entr" presetSubtype="4" fill="hold" grpId="0" nodeType="afterEffect">
+                                  <p:stCondLst>
+                                    <p:cond delay="0"/>
+                                  </p:stCondLst>
+                                  <p:childTnLst>
+                                    <p:set>
+                                      <p:cBhvr>
+                                        <p:cTn id="11" dur="1" fill="hold">
+                                          <p:stCondLst>
+                                            <p:cond delay="0"/>
+                                          </p:stCondLst>
+                                        </p:cTn>
+                                        <p:tgtEl>
+                                          <p:spTgt spid="3">
+                                            <p:txEl>
+                                              <p:pRg st="0" end="0"/>
+                                            </p:txEl>
+                                          </p:spTgt>
+                                        </p:tgtEl>
+                                        <p:attrNameLst>
+                                          <p:attrName>style.visibility</p:attrName>
+                                        </p:attrNameLst>
+                                      </p:cBhvr>
+                                      <p:to>
+                                        <p:strVal val="visible"/>
+                                      </p:to>
+                                    </p:set>
+                                    <p:anim calcmode="lin" valueType="num">
+                                      <p:cBhvr additive="base">
+                                        <p:cTn id="12" dur="500" fill="hold"/>
+                                        <p:tgtEl>
+                                          <p:spTgt spid="3">
+                                            <p:txEl>
+                                              <p:pRg st="0" end="0"/>
+                                            </p:txEl>
+                                          </p:spTgt>
+                                        </p:tgtEl>
+                                        <p:attrNameLst>
+                                          <p:attrName>ppt_x</p:attrName>
+                                        </p:attrNameLst>
+                                      </p:cBhvr>
+                                      <p:tavLst>
+                                        <p:tav tm="0">
+                                          <p:val>
+                                            <p:strVal val="#ppt_x"/>
+                                          </p:val>
+                                        </p:tav>
+                                        <p:tav tm="100000">
+                                          <p:val>
+                                            <p:strVal val="#ppt_x"/>
+                                          </p:val>
+                                        </p:tav>
+                                      </p:tavLst>
+                                    </p:anim>
+                                    <p:anim calcmode="lin" valueType="num">
+                                      <p:cBhvr additive="base">
+                                        <p:cTn id="13" dur="500" fill="hold"/>
+                                        <p:tgtEl>
+                                          <p:spTgt spid="3">
+                                            <p:txEl>
+                                              <p:pRg st="0" end="0"/>
+                                            </p:txEl>
+                                          </p:spTgt>
+                                        </p:tgtEl>
+                                        <p:attrNameLst>
+                                          <p:attrName>ppt_y</p:attrName>
+                                        </p:attrNameLst>
+                                      </p:cBhvr>
+                                      <p:tavLst>
+                                        <p:tav tm="0">
+                                          <p:val>
+                                            <p:strVal val="1+#ppt_h/2"/>
+                                          </p:val>
+                                        </p:tav>
+                                        <p:tav tm="100000">
+                                          <p:val>
+                                            <p:strVal val="#ppt_y"/>
+                                          </p:val>
+                                        </p:tav>
+                                      </p:tavLst>
+                                    </p:anim>
+                                  </p:childTnLst>
+                                </p:cTn>
+                              </p:par>
+                            </p:childTnLst>
+                          </p:cTn>
+                        </p:par>
+                      </p:childTnLst>
+                    </p:cTn>
+                  </p:par>
+                </p:childTnLst>
+              </p:cTn>
+              <p:prevCondLst>
+                <p:cond evt="onPrev" delay="0">
+                  <p:tgtEl>
+                    <p:sldTgt/>
+                  </p:tgtEl>
+                </p:cond>
+              </p:prevCondLst>
+              <p:nextCondLst>
+                <p:cond evt="onNext" delay="0">
+                  <p:tgtEl>
+                    <p:sldTgt/>
+                  </p:tgtEl>
+                </p:cond>
+              </p:nextCondLst>
+            </p:seq>
+          </p:childTnLst>
+        </p:cTn>
       </p:par>
     </p:tnLst>
+    <p:bldLst>
+      <p:bldP spid="3" grpId="0" build="p"/>
+    </p:bldLst>
   </p:timing>
 </p:sld>
 </file>
@@ -3515,14 +6342,22 @@
           <a:p>
             <a:r>
               <a:rPr lang="zh-CN" altLang="en-US" dirty="0" smtClean="0"/>
-              <a:t>其他语言的爬虫</a:t>
+              <a:t>遇到</a:t>
+            </a:r>
+            <a:r>
+              <a:rPr lang="zh-CN" altLang="en-US" dirty="0" smtClean="0"/>
+              <a:t>的</a:t>
+            </a:r>
+            <a:r>
+              <a:rPr lang="zh-CN" altLang="en-US" dirty="0" smtClean="0"/>
+              <a:t>问题有那些</a:t>
             </a:r>
             <a:endParaRPr lang="en-US" altLang="zh-CN" dirty="0" smtClean="0"/>
           </a:p>
           <a:p>
             <a:r>
               <a:rPr lang="zh-CN" altLang="en-US" dirty="0" smtClean="0"/>
-              <a:t>遇到的问题</a:t>
+              <a:t>爬虫相关延伸</a:t>
             </a:r>
             <a:endParaRPr lang="en-US" altLang="zh-CN" dirty="0" smtClean="0"/>
           </a:p>
@@ -4017,17 +6852,255 @@
           <a:noFill/>
         </p:spPr>
       </p:pic>
+      <p:pic>
+        <p:nvPicPr>
+          <p:cNvPr id="1028" name="Picture 4" descr="C:\Users\FizzPang\Desktop\images\未标题-2_01.png"/>
+          <p:cNvPicPr>
+            <a:picLocks noChangeAspect="1" noChangeArrowheads="1"/>
+          </p:cNvPicPr>
+          <p:nvPr/>
+        </p:nvPicPr>
+        <p:blipFill>
+          <a:blip r:embed="rId3"/>
+          <a:srcRect/>
+          <a:stretch>
+            <a:fillRect/>
+          </a:stretch>
+        </p:blipFill>
+        <p:spPr bwMode="auto">
+          <a:xfrm>
+            <a:off x="4381500" y="1"/>
+            <a:ext cx="4762500" cy="6858000"/>
+          </a:xfrm>
+          <a:prstGeom prst="rect">
+            <a:avLst/>
+          </a:prstGeom>
+          <a:noFill/>
+        </p:spPr>
+      </p:pic>
+      <p:graphicFrame>
+        <p:nvGraphicFramePr>
+          <p:cNvPr id="8" name="图示 7"/>
+          <p:cNvGraphicFramePr/>
+          <p:nvPr/>
+        </p:nvGraphicFramePr>
+        <p:xfrm>
+          <a:off x="1214414" y="4468810"/>
+          <a:ext cx="2976562" cy="2389190"/>
+        </p:xfrm>
+        <a:graphic>
+          <a:graphicData uri="http://schemas.openxmlformats.org/drawingml/2006/diagram">
+            <dgm:relIds xmlns:dgm="http://schemas.openxmlformats.org/drawingml/2006/diagram" xmlns:r="http://schemas.openxmlformats.org/officeDocument/2006/relationships" r:dm="rId4" r:lo="rId5" r:qs="rId6" r:cs="rId7"/>
+          </a:graphicData>
+        </a:graphic>
+      </p:graphicFrame>
     </p:spTree>
   </p:cSld>
   <p:clrMapOvr>
     <a:masterClrMapping/>
   </p:clrMapOvr>
+  <p:transition advTm="2000"/>
   <p:timing>
     <p:tnLst>
       <p:par>
-        <p:cTn id="1" dur="indefinite" restart="never" nodeType="tmRoot"/>
+        <p:cTn id="1" dur="indefinite" restart="never" nodeType="tmRoot">
+          <p:childTnLst>
+            <p:seq concurrent="1" nextAc="seek">
+              <p:cTn id="2" dur="indefinite" nodeType="mainSeq">
+                <p:childTnLst>
+                  <p:par>
+                    <p:cTn id="3" fill="hold">
+                      <p:stCondLst>
+                        <p:cond delay="indefinite"/>
+                      </p:stCondLst>
+                      <p:childTnLst>
+                        <p:par>
+                          <p:cTn id="4" fill="hold">
+                            <p:stCondLst>
+                              <p:cond delay="0"/>
+                            </p:stCondLst>
+                            <p:childTnLst>
+                              <p:par>
+                                <p:cTn id="5" presetID="8" presetClass="entr" presetSubtype="16" fill="hold" grpId="1" nodeType="clickEffect">
+                                  <p:stCondLst>
+                                    <p:cond delay="0"/>
+                                  </p:stCondLst>
+                                  <p:childTnLst>
+                                    <p:set>
+                                      <p:cBhvr>
+                                        <p:cTn id="6" dur="1" fill="hold">
+                                          <p:stCondLst>
+                                            <p:cond delay="0"/>
+                                          </p:stCondLst>
+                                        </p:cTn>
+                                        <p:tgtEl>
+                                          <p:spTgt spid="8"/>
+                                        </p:tgtEl>
+                                        <p:attrNameLst>
+                                          <p:attrName>style.visibility</p:attrName>
+                                        </p:attrNameLst>
+                                      </p:cBhvr>
+                                      <p:to>
+                                        <p:strVal val="visible"/>
+                                      </p:to>
+                                    </p:set>
+                                    <p:animEffect transition="in" filter="diamond(in)">
+                                      <p:cBhvr>
+                                        <p:cTn id="7" dur="2000"/>
+                                        <p:tgtEl>
+                                          <p:spTgt spid="8"/>
+                                        </p:tgtEl>
+                                      </p:cBhvr>
+                                    </p:animEffect>
+                                  </p:childTnLst>
+                                </p:cTn>
+                              </p:par>
+                            </p:childTnLst>
+                          </p:cTn>
+                        </p:par>
+                      </p:childTnLst>
+                    </p:cTn>
+                  </p:par>
+                </p:childTnLst>
+              </p:cTn>
+              <p:prevCondLst>
+                <p:cond evt="onPrev" delay="0">
+                  <p:tgtEl>
+                    <p:sldTgt/>
+                  </p:tgtEl>
+                </p:cond>
+              </p:prevCondLst>
+              <p:nextCondLst>
+                <p:cond evt="onNext" delay="0">
+                  <p:tgtEl>
+                    <p:sldTgt/>
+                  </p:tgtEl>
+                </p:cond>
+              </p:nextCondLst>
+            </p:seq>
+            <p:seq concurrent="1" nextAc="seek">
+              <p:cTn id="8" restart="whenNotActive" fill="hold" evtFilter="cancelBubble" nodeType="interactiveSeq">
+                <p:stCondLst>
+                  <p:cond evt="onClick" delay="0">
+                    <p:tgtEl>
+                      <p:spTgt spid="2"/>
+                    </p:tgtEl>
+                  </p:cond>
+                </p:stCondLst>
+                <p:endSync evt="end" delay="0">
+                  <p:rtn val="all"/>
+                </p:endSync>
+                <p:childTnLst>
+                  <p:par>
+                    <p:cTn id="9" fill="hold">
+                      <p:stCondLst>
+                        <p:cond delay="0"/>
+                      </p:stCondLst>
+                      <p:childTnLst>
+                        <p:par>
+                          <p:cTn id="10" fill="hold">
+                            <p:stCondLst>
+                              <p:cond delay="0"/>
+                            </p:stCondLst>
+                            <p:childTnLst>
+                              <p:par>
+                                <p:cTn id="11" presetID="2" presetClass="entr" presetSubtype="4" fill="hold" nodeType="afterEffect">
+                                  <p:stCondLst>
+                                    <p:cond delay="0"/>
+                                  </p:stCondLst>
+                                  <p:childTnLst>
+                                    <p:set>
+                                      <p:cBhvr>
+                                        <p:cTn id="12" dur="1" fill="hold">
+                                          <p:stCondLst>
+                                            <p:cond delay="0"/>
+                                          </p:stCondLst>
+                                        </p:cTn>
+                                        <p:tgtEl>
+                                          <p:spTgt spid="1028"/>
+                                        </p:tgtEl>
+                                        <p:attrNameLst>
+                                          <p:attrName>style.visibility</p:attrName>
+                                        </p:attrNameLst>
+                                      </p:cBhvr>
+                                      <p:to>
+                                        <p:strVal val="visible"/>
+                                      </p:to>
+                                    </p:set>
+                                    <p:anim calcmode="lin" valueType="num">
+                                      <p:cBhvr additive="base">
+                                        <p:cTn id="13" dur="500" fill="hold"/>
+                                        <p:tgtEl>
+                                          <p:spTgt spid="1028"/>
+                                        </p:tgtEl>
+                                        <p:attrNameLst>
+                                          <p:attrName>ppt_x</p:attrName>
+                                        </p:attrNameLst>
+                                      </p:cBhvr>
+                                      <p:tavLst>
+                                        <p:tav tm="0">
+                                          <p:val>
+                                            <p:strVal val="#ppt_x"/>
+                                          </p:val>
+                                        </p:tav>
+                                        <p:tav tm="100000">
+                                          <p:val>
+                                            <p:strVal val="#ppt_x"/>
+                                          </p:val>
+                                        </p:tav>
+                                      </p:tavLst>
+                                    </p:anim>
+                                    <p:anim calcmode="lin" valueType="num">
+                                      <p:cBhvr additive="base">
+                                        <p:cTn id="14" dur="500" fill="hold"/>
+                                        <p:tgtEl>
+                                          <p:spTgt spid="1028"/>
+                                        </p:tgtEl>
+                                        <p:attrNameLst>
+                                          <p:attrName>ppt_y</p:attrName>
+                                        </p:attrNameLst>
+                                      </p:cBhvr>
+                                      <p:tavLst>
+                                        <p:tav tm="0">
+                                          <p:val>
+                                            <p:strVal val="1+#ppt_h/2"/>
+                                          </p:val>
+                                        </p:tav>
+                                        <p:tav tm="100000">
+                                          <p:val>
+                                            <p:strVal val="#ppt_y"/>
+                                          </p:val>
+                                        </p:tav>
+                                      </p:tavLst>
+                                    </p:anim>
+                                  </p:childTnLst>
+                                </p:cTn>
+                              </p:par>
+                            </p:childTnLst>
+                          </p:cTn>
+                        </p:par>
+                      </p:childTnLst>
+                    </p:cTn>
+                  </p:par>
+                </p:childTnLst>
+              </p:cTn>
+              <p:nextCondLst>
+                <p:cond evt="onClick" delay="0">
+                  <p:tgtEl>
+                    <p:spTgt spid="2"/>
+                  </p:tgtEl>
+                </p:cond>
+              </p:nextCondLst>
+            </p:seq>
+          </p:childTnLst>
+        </p:cTn>
       </p:par>
     </p:tnLst>
+    <p:bldLst>
+      <p:bldGraphic spid="8" grpId="1">
+        <p:bldAsOne/>
+      </p:bldGraphic>
+    </p:bldLst>
   </p:timing>
 </p:sld>
 </file>
@@ -4558,11 +7631,7 @@
             </a:r>
             <a:r>
               <a:rPr lang="zh-CN" altLang="en-US" sz="2000" dirty="0" smtClean="0"/>
-              <a:t>异步或同步创</a:t>
-            </a:r>
-            <a:r>
-              <a:rPr lang="zh-CN" altLang="en-US" sz="2000" dirty="0" smtClean="0"/>
-              <a:t>建文件夹</a:t>
+              <a:t>异步或同步创建文件夹</a:t>
             </a:r>
             <a:r>
               <a:rPr lang="en-US" altLang="zh-CN" sz="2000" dirty="0" smtClean="0"/>
@@ -4808,6 +7877,132 @@
           <a:bodyPr/>
           <a:lstStyle/>
           <a:p>
+            <a:r>
+              <a:rPr lang="zh-CN" altLang="en-US" dirty="0" smtClean="0"/>
+              <a:t>优点</a:t>
+            </a:r>
+            <a:r>
+              <a:rPr lang="en-US" altLang="zh-CN" dirty="0" smtClean="0"/>
+              <a:t>:</a:t>
+            </a:r>
+            <a:r>
+              <a:rPr lang="zh-CN" altLang="en-US" dirty="0" smtClean="0"/>
+              <a:t>占用内存小</a:t>
+            </a:r>
+            <a:r>
+              <a:rPr lang="en-US" altLang="zh-CN" dirty="0" smtClean="0"/>
+              <a:t>,</a:t>
+            </a:r>
+            <a:r>
+              <a:rPr lang="zh-CN" altLang="en-US" dirty="0" smtClean="0"/>
+              <a:t>多</a:t>
+            </a:r>
+            <a:r>
+              <a:rPr lang="zh-CN" altLang="en-US" dirty="0" smtClean="0"/>
+              <a:t>并发</a:t>
+            </a:r>
+            <a:r>
+              <a:rPr lang="en-US" altLang="zh-CN" dirty="0" smtClean="0"/>
+              <a:t>,</a:t>
+            </a:r>
+            <a:r>
+              <a:rPr lang="zh-CN" altLang="en-US" dirty="0" smtClean="0"/>
+              <a:t>效率高</a:t>
+            </a:r>
+            <a:r>
+              <a:rPr lang="en-US" altLang="zh-CN" dirty="0" smtClean="0"/>
+              <a:t>,</a:t>
+            </a:r>
+            <a:r>
+              <a:rPr lang="zh-CN" altLang="en-US" dirty="0" smtClean="0"/>
+              <a:t>网络异步</a:t>
+            </a:r>
+            <a:r>
+              <a:rPr lang="en-US" altLang="zh-CN" dirty="0" smtClean="0"/>
+              <a:t>,</a:t>
+            </a:r>
+            <a:r>
+              <a:rPr lang="zh-CN" altLang="en-US" dirty="0" smtClean="0"/>
+              <a:t>充分利用带宽</a:t>
+            </a:r>
+            <a:r>
+              <a:rPr lang="en-US" altLang="zh-CN" dirty="0" smtClean="0"/>
+              <a:t>,</a:t>
+            </a:r>
+            <a:r>
+              <a:rPr lang="zh-CN" altLang="en-US" dirty="0" smtClean="0"/>
+              <a:t>异步</a:t>
+            </a:r>
+            <a:r>
+              <a:rPr lang="en-US" altLang="zh-CN" dirty="0" err="1" smtClean="0"/>
+              <a:t>IO,cheerio</a:t>
+            </a:r>
+            <a:r>
+              <a:rPr lang="zh-CN" altLang="en-US" dirty="0" smtClean="0"/>
+              <a:t>包使用方便</a:t>
+            </a:r>
+            <a:r>
+              <a:rPr lang="en-US" altLang="zh-CN" dirty="0" smtClean="0"/>
+              <a:t>,</a:t>
+            </a:r>
+            <a:r>
+              <a:rPr lang="zh-CN" altLang="en-US" dirty="0" smtClean="0"/>
+              <a:t>不用复杂的正则</a:t>
+            </a:r>
+            <a:r>
+              <a:rPr lang="en-US" altLang="zh-CN" dirty="0" smtClean="0"/>
+              <a:t>.</a:t>
+            </a:r>
+          </a:p>
+          <a:p>
+            <a:r>
+              <a:rPr lang="zh-CN" altLang="en-US" dirty="0" smtClean="0"/>
+              <a:t>缺点</a:t>
+            </a:r>
+            <a:r>
+              <a:rPr lang="en-US" altLang="zh-CN" dirty="0" smtClean="0"/>
+              <a:t>:</a:t>
+            </a:r>
+            <a:r>
+              <a:rPr lang="zh-CN" altLang="en-US" dirty="0" smtClean="0"/>
+              <a:t>多层回调函数</a:t>
+            </a:r>
+            <a:r>
+              <a:rPr lang="en-US" altLang="zh-CN" dirty="0" smtClean="0"/>
+              <a:t>,</a:t>
+            </a:r>
+            <a:r>
+              <a:rPr lang="zh-CN" altLang="en-US" dirty="0" smtClean="0"/>
+              <a:t>代码结构容易混乱</a:t>
+            </a:r>
+            <a:r>
+              <a:rPr lang="en-US" altLang="zh-CN" dirty="0" smtClean="0"/>
+              <a:t>.</a:t>
+            </a:r>
+            <a:r>
+              <a:rPr lang="zh-CN" altLang="en-US" dirty="0" smtClean="0"/>
+              <a:t>对于需要</a:t>
+            </a:r>
+            <a:r>
+              <a:rPr lang="en-US" altLang="zh-CN" dirty="0" smtClean="0"/>
+              <a:t>cookie</a:t>
+            </a:r>
+            <a:r>
+              <a:rPr lang="zh-CN" altLang="en-US" dirty="0" smtClean="0"/>
+              <a:t>和</a:t>
+            </a:r>
+            <a:r>
+              <a:rPr lang="en-US" altLang="zh-CN" dirty="0" smtClean="0"/>
+              <a:t>session </a:t>
+            </a:r>
+            <a:r>
+              <a:rPr lang="zh-CN" altLang="en-US" dirty="0" smtClean="0"/>
+              <a:t>以及动态页面的信息抓取支持不够完善</a:t>
+            </a:r>
+            <a:r>
+              <a:rPr lang="en-US" altLang="zh-CN" dirty="0" smtClean="0"/>
+              <a:t>.</a:t>
+            </a:r>
             <a:endParaRPr lang="zh-CN" altLang="en-US" dirty="0"/>
           </a:p>
         </p:txBody>
@@ -4843,6 +8038,13 @@
   <p:clrMapOvr>
     <a:masterClrMapping/>
   </p:clrMapOvr>
+  <p:timing>
+    <p:tnLst>
+      <p:par>
+        <p:cTn id="1" dur="indefinite" restart="never" nodeType="tmRoot"/>
+      </p:par>
+    </p:tnLst>
+  </p:timing>
 </p:sld>
 </file>
 
@@ -4882,7 +8084,7 @@
           <a:p>
             <a:r>
               <a:rPr lang="zh-CN" altLang="en-US" sz="3600" dirty="0" smtClean="0"/>
-              <a:t>其他语言的爬虫</a:t>
+              <a:t>编写过程中的问题</a:t>
             </a:r>
             <a:endParaRPr lang="zh-CN" altLang="en-US" sz="3600" dirty="0"/>
           </a:p>
@@ -4903,7 +8105,40 @@
           <a:bodyPr/>
           <a:lstStyle/>
           <a:p>
-            <a:endParaRPr lang="zh-CN" altLang="en-US" dirty="0"/>
+            <a:r>
+              <a:rPr lang="zh-CN" altLang="en-US" dirty="0" smtClean="0"/>
+              <a:t>文件夹或文件重名</a:t>
+            </a:r>
+            <a:endParaRPr lang="en-US" altLang="zh-CN" dirty="0" smtClean="0"/>
+          </a:p>
+          <a:p>
+            <a:r>
+              <a:rPr lang="zh-CN" altLang="en-US" dirty="0" smtClean="0"/>
+              <a:t>页面使用</a:t>
+            </a:r>
+            <a:r>
+              <a:rPr lang="en-US" altLang="zh-CN" dirty="0" smtClean="0"/>
+              <a:t>Ajax</a:t>
+            </a:r>
+            <a:r>
+              <a:rPr lang="zh-CN" altLang="en-US" dirty="0" smtClean="0"/>
+              <a:t>请求数据显示</a:t>
+            </a:r>
+            <a:endParaRPr lang="en-US" altLang="zh-CN" dirty="0" smtClean="0"/>
+          </a:p>
+          <a:p>
+            <a:r>
+              <a:rPr lang="zh-CN" altLang="en-US" dirty="0" smtClean="0"/>
+              <a:t>数据去重</a:t>
+            </a:r>
+            <a:endParaRPr lang="en-US" altLang="zh-CN" dirty="0" smtClean="0"/>
+          </a:p>
+          <a:p>
+            <a:r>
+              <a:rPr lang="zh-CN" altLang="en-US" dirty="0" smtClean="0"/>
+              <a:t>深度优先和广度优先</a:t>
+            </a:r>
+            <a:endParaRPr lang="en-US" altLang="zh-CN" dirty="0" smtClean="0"/>
           </a:p>
         </p:txBody>
       </p:sp>
@@ -4938,6 +8173,13 @@
   <p:clrMapOvr>
     <a:masterClrMapping/>
   </p:clrMapOvr>
+  <p:timing>
+    <p:tnLst>
+      <p:par>
+        <p:cTn id="1" dur="indefinite" restart="never" nodeType="tmRoot"/>
+      </p:par>
+    </p:tnLst>
+  </p:timing>
 </p:sld>
 </file>
 
